--- a/document/finalProject.pptx
+++ b/document/finalProject.pptx
@@ -5,32 +5,36 @@
     <p:sldMasterId id="2147483660" r:id="rId1"/>
   </p:sldMasterIdLst>
   <p:notesMasterIdLst>
-    <p:notesMasterId r:id="rId25"/>
+    <p:notesMasterId r:id="rId29"/>
   </p:notesMasterIdLst>
   <p:sldIdLst>
     <p:sldId id="256" r:id="rId2"/>
     <p:sldId id="311" r:id="rId3"/>
     <p:sldId id="316" r:id="rId4"/>
     <p:sldId id="308" r:id="rId5"/>
-    <p:sldId id="309" r:id="rId6"/>
-    <p:sldId id="320" r:id="rId7"/>
-    <p:sldId id="312" r:id="rId8"/>
-    <p:sldId id="318" r:id="rId9"/>
-    <p:sldId id="314" r:id="rId10"/>
-    <p:sldId id="315" r:id="rId11"/>
-    <p:sldId id="317" r:id="rId12"/>
-    <p:sldId id="324" r:id="rId13"/>
-    <p:sldId id="321" r:id="rId14"/>
-    <p:sldId id="326" r:id="rId15"/>
-    <p:sldId id="327" r:id="rId16"/>
-    <p:sldId id="328" r:id="rId17"/>
-    <p:sldId id="329" r:id="rId18"/>
-    <p:sldId id="330" r:id="rId19"/>
-    <p:sldId id="331" r:id="rId20"/>
-    <p:sldId id="332" r:id="rId21"/>
-    <p:sldId id="333" r:id="rId22"/>
-    <p:sldId id="337" r:id="rId23"/>
-    <p:sldId id="335" r:id="rId24"/>
+    <p:sldId id="338" r:id="rId6"/>
+    <p:sldId id="309" r:id="rId7"/>
+    <p:sldId id="320" r:id="rId8"/>
+    <p:sldId id="312" r:id="rId9"/>
+    <p:sldId id="318" r:id="rId10"/>
+    <p:sldId id="314" r:id="rId11"/>
+    <p:sldId id="315" r:id="rId12"/>
+    <p:sldId id="317" r:id="rId13"/>
+    <p:sldId id="324" r:id="rId14"/>
+    <p:sldId id="321" r:id="rId15"/>
+    <p:sldId id="326" r:id="rId16"/>
+    <p:sldId id="327" r:id="rId17"/>
+    <p:sldId id="328" r:id="rId18"/>
+    <p:sldId id="329" r:id="rId19"/>
+    <p:sldId id="330" r:id="rId20"/>
+    <p:sldId id="331" r:id="rId21"/>
+    <p:sldId id="332" r:id="rId22"/>
+    <p:sldId id="333" r:id="rId23"/>
+    <p:sldId id="337" r:id="rId24"/>
+    <p:sldId id="335" r:id="rId25"/>
+    <p:sldId id="339" r:id="rId26"/>
+    <p:sldId id="340" r:id="rId27"/>
+    <p:sldId id="342" r:id="rId28"/>
   </p:sldIdLst>
   <p:sldSz cx="12192000" cy="6858000"/>
   <p:notesSz cx="6858000" cy="9144000"/>
@@ -142,6 +146,7 @@
             <p14:sldId id="311"/>
             <p14:sldId id="316"/>
             <p14:sldId id="308"/>
+            <p14:sldId id="338"/>
             <p14:sldId id="309"/>
             <p14:sldId id="320"/>
           </p14:sldIdLst>
@@ -184,7 +189,11 @@
           </p14:sldIdLst>
         </p14:section>
         <p14:section name="附錄" id="{3289410D-4409-4E37-B3D3-A918AE355C26}">
-          <p14:sldIdLst/>
+          <p14:sldIdLst>
+            <p14:sldId id="339"/>
+            <p14:sldId id="340"/>
+            <p14:sldId id="342"/>
+          </p14:sldIdLst>
         </p14:section>
       </p14:sectionLst>
     </p:ext>
@@ -277,7 +286,7 @@
           <a:p>
             <a:fld id="{1A6B06B0-358D-40BC-BF9C-13F4F57D9D1F}" type="datetimeFigureOut">
               <a:rPr lang="zh-TW" altLang="en-US" smtClean="0"/>
-              <a:t>2023/1/11</a:t>
+              <a:t>2023/1/12</a:t>
             </a:fld>
             <a:endParaRPr lang="zh-TW" altLang="en-US"/>
           </a:p>
@@ -542,6 +551,90 @@
     </a:lvl9pPr>
   </p:notesStyle>
 </p:notesMaster>
+</file>
+
+<file path=ppt/notesSlides/notesSlide1.xml><?xml version="1.0" encoding="utf-8"?>
+<p:notes xmlns:a="http://schemas.openxmlformats.org/drawingml/2006/main" xmlns:r="http://schemas.openxmlformats.org/officeDocument/2006/relationships" xmlns:p="http://schemas.openxmlformats.org/presentationml/2006/main">
+  <p:cSld>
+    <p:spTree>
+      <p:nvGrpSpPr>
+        <p:cNvPr id="1" name=""/>
+        <p:cNvGrpSpPr/>
+        <p:nvPr/>
+      </p:nvGrpSpPr>
+      <p:grpSpPr>
+        <a:xfrm>
+          <a:off x="0" y="0"/>
+          <a:ext cx="0" cy="0"/>
+          <a:chOff x="0" y="0"/>
+          <a:chExt cx="0" cy="0"/>
+        </a:xfrm>
+      </p:grpSpPr>
+      <p:sp>
+        <p:nvSpPr>
+          <p:cNvPr id="2" name="投影片影像版面配置區 1"/>
+          <p:cNvSpPr>
+            <a:spLocks noGrp="1" noRot="1" noChangeAspect="1"/>
+          </p:cNvSpPr>
+          <p:nvPr>
+            <p:ph type="sldImg"/>
+          </p:nvPr>
+        </p:nvSpPr>
+        <p:spPr/>
+      </p:sp>
+      <p:sp>
+        <p:nvSpPr>
+          <p:cNvPr id="3" name="備忘稿版面配置區 2"/>
+          <p:cNvSpPr>
+            <a:spLocks noGrp="1"/>
+          </p:cNvSpPr>
+          <p:nvPr>
+            <p:ph type="body" idx="1"/>
+          </p:nvPr>
+        </p:nvSpPr>
+        <p:spPr/>
+        <p:txBody>
+          <a:bodyPr/>
+          <a:lstStyle/>
+          <a:p>
+            <a:endParaRPr lang="zh-TW" altLang="en-US" dirty="0"/>
+          </a:p>
+        </p:txBody>
+      </p:sp>
+      <p:sp>
+        <p:nvSpPr>
+          <p:cNvPr id="4" name="投影片編號版面配置區 3"/>
+          <p:cNvSpPr>
+            <a:spLocks noGrp="1"/>
+          </p:cNvSpPr>
+          <p:nvPr>
+            <p:ph type="sldNum" sz="quarter" idx="5"/>
+          </p:nvPr>
+        </p:nvSpPr>
+        <p:spPr/>
+        <p:txBody>
+          <a:bodyPr/>
+          <a:lstStyle/>
+          <a:p>
+            <a:fld id="{F61D1FB9-26B0-44B9-B7C5-01FCEE82173C}" type="slidenum">
+              <a:rPr lang="zh-TW" altLang="en-US" smtClean="0"/>
+              <a:t>5</a:t>
+            </a:fld>
+            <a:endParaRPr lang="zh-TW" altLang="en-US"/>
+          </a:p>
+        </p:txBody>
+      </p:sp>
+    </p:spTree>
+    <p:extLst>
+      <p:ext uri="{BB962C8B-B14F-4D97-AF65-F5344CB8AC3E}">
+        <p14:creationId xmlns:p14="http://schemas.microsoft.com/office/powerpoint/2010/main" val="2311963619"/>
+      </p:ext>
+    </p:extLst>
+  </p:cSld>
+  <p:clrMapOvr>
+    <a:masterClrMapping/>
+  </p:clrMapOvr>
+</p:notes>
 </file>
 
 <file path=ppt/slideLayouts/slideLayout1.xml><?xml version="1.0" encoding="utf-8"?>
@@ -1266,7 +1359,7 @@
           <a:p>
             <a:fld id="{EE5DF590-96CD-4AE5-8A95-CD2D658D6CDE}" type="datetimeFigureOut">
               <a:rPr lang="zh-TW" altLang="en-US" smtClean="0"/>
-              <a:t>2023/1/11</a:t>
+              <a:t>2023/1/12</a:t>
             </a:fld>
             <a:endParaRPr lang="zh-TW" altLang="en-US"/>
           </a:p>
@@ -1517,7 +1610,7 @@
           <a:p>
             <a:fld id="{EE5DF590-96CD-4AE5-8A95-CD2D658D6CDE}" type="datetimeFigureOut">
               <a:rPr lang="zh-TW" altLang="en-US" smtClean="0"/>
-              <a:t>2023/1/11</a:t>
+              <a:t>2023/1/12</a:t>
             </a:fld>
             <a:endParaRPr lang="zh-TW" altLang="en-US"/>
           </a:p>
@@ -1831,7 +1924,7 @@
           <a:p>
             <a:fld id="{EE5DF590-96CD-4AE5-8A95-CD2D658D6CDE}" type="datetimeFigureOut">
               <a:rPr lang="zh-TW" altLang="en-US" smtClean="0"/>
-              <a:t>2023/1/11</a:t>
+              <a:t>2023/1/12</a:t>
             </a:fld>
             <a:endParaRPr lang="zh-TW" altLang="en-US"/>
           </a:p>
@@ -2172,7 +2265,7 @@
           <a:p>
             <a:fld id="{EE5DF590-96CD-4AE5-8A95-CD2D658D6CDE}" type="datetimeFigureOut">
               <a:rPr lang="zh-TW" altLang="en-US" smtClean="0"/>
-              <a:t>2023/1/11</a:t>
+              <a:t>2023/1/12</a:t>
             </a:fld>
             <a:endParaRPr lang="zh-TW" altLang="en-US"/>
           </a:p>
@@ -2486,7 +2579,7 @@
           <a:p>
             <a:fld id="{EE5DF590-96CD-4AE5-8A95-CD2D658D6CDE}" type="datetimeFigureOut">
               <a:rPr lang="zh-TW" altLang="en-US" smtClean="0"/>
-              <a:t>2023/1/11</a:t>
+              <a:t>2023/1/12</a:t>
             </a:fld>
             <a:endParaRPr lang="zh-TW" altLang="en-US"/>
           </a:p>
@@ -2879,7 +2972,7 @@
           <a:p>
             <a:fld id="{EE5DF590-96CD-4AE5-8A95-CD2D658D6CDE}" type="datetimeFigureOut">
               <a:rPr lang="zh-TW" altLang="en-US" smtClean="0"/>
-              <a:t>2023/1/11</a:t>
+              <a:t>2023/1/12</a:t>
             </a:fld>
             <a:endParaRPr lang="zh-TW" altLang="en-US"/>
           </a:p>
@@ -3049,7 +3142,7 @@
           <a:p>
             <a:fld id="{EE5DF590-96CD-4AE5-8A95-CD2D658D6CDE}" type="datetimeFigureOut">
               <a:rPr lang="zh-TW" altLang="en-US" smtClean="0"/>
-              <a:t>2023/1/11</a:t>
+              <a:t>2023/1/12</a:t>
             </a:fld>
             <a:endParaRPr lang="zh-TW" altLang="en-US"/>
           </a:p>
@@ -3229,7 +3322,7 @@
           <a:p>
             <a:fld id="{EE5DF590-96CD-4AE5-8A95-CD2D658D6CDE}" type="datetimeFigureOut">
               <a:rPr lang="zh-TW" altLang="en-US" smtClean="0"/>
-              <a:t>2023/1/11</a:t>
+              <a:t>2023/1/12</a:t>
             </a:fld>
             <a:endParaRPr lang="zh-TW" altLang="en-US"/>
           </a:p>
@@ -3405,7 +3498,7 @@
           <a:p>
             <a:fld id="{EE5DF590-96CD-4AE5-8A95-CD2D658D6CDE}" type="datetimeFigureOut">
               <a:rPr lang="zh-TW" altLang="en-US" smtClean="0"/>
-              <a:t>2023/1/11</a:t>
+              <a:t>2023/1/12</a:t>
             </a:fld>
             <a:endParaRPr lang="zh-TW" altLang="en-US"/>
           </a:p>
@@ -3652,7 +3745,7 @@
           <a:p>
             <a:fld id="{EE5DF590-96CD-4AE5-8A95-CD2D658D6CDE}" type="datetimeFigureOut">
               <a:rPr lang="zh-TW" altLang="en-US" smtClean="0"/>
-              <a:t>2023/1/11</a:t>
+              <a:t>2023/1/12</a:t>
             </a:fld>
             <a:endParaRPr lang="zh-TW" altLang="en-US"/>
           </a:p>
@@ -3884,7 +3977,7 @@
           <a:p>
             <a:fld id="{EE5DF590-96CD-4AE5-8A95-CD2D658D6CDE}" type="datetimeFigureOut">
               <a:rPr lang="zh-TW" altLang="en-US" smtClean="0"/>
-              <a:t>2023/1/11</a:t>
+              <a:t>2023/1/12</a:t>
             </a:fld>
             <a:endParaRPr lang="zh-TW" altLang="en-US"/>
           </a:p>
@@ -4258,7 +4351,7 @@
           <a:p>
             <a:fld id="{EE5DF590-96CD-4AE5-8A95-CD2D658D6CDE}" type="datetimeFigureOut">
               <a:rPr lang="zh-TW" altLang="en-US" smtClean="0"/>
-              <a:t>2023/1/11</a:t>
+              <a:t>2023/1/12</a:t>
             </a:fld>
             <a:endParaRPr lang="zh-TW" altLang="en-US"/>
           </a:p>
@@ -4381,7 +4474,7 @@
           <a:p>
             <a:fld id="{EE5DF590-96CD-4AE5-8A95-CD2D658D6CDE}" type="datetimeFigureOut">
               <a:rPr lang="zh-TW" altLang="en-US" smtClean="0"/>
-              <a:t>2023/1/11</a:t>
+              <a:t>2023/1/12</a:t>
             </a:fld>
             <a:endParaRPr lang="zh-TW" altLang="en-US"/>
           </a:p>
@@ -4476,7 +4569,7 @@
           <a:p>
             <a:fld id="{EE5DF590-96CD-4AE5-8A95-CD2D658D6CDE}" type="datetimeFigureOut">
               <a:rPr lang="zh-TW" altLang="en-US" smtClean="0"/>
-              <a:t>2023/1/11</a:t>
+              <a:t>2023/1/12</a:t>
             </a:fld>
             <a:endParaRPr lang="zh-TW" altLang="en-US"/>
           </a:p>
@@ -4731,7 +4824,7 @@
           <a:p>
             <a:fld id="{EE5DF590-96CD-4AE5-8A95-CD2D658D6CDE}" type="datetimeFigureOut">
               <a:rPr lang="zh-TW" altLang="en-US" smtClean="0"/>
-              <a:t>2023/1/11</a:t>
+              <a:t>2023/1/12</a:t>
             </a:fld>
             <a:endParaRPr lang="zh-TW" altLang="en-US"/>
           </a:p>
@@ -4994,7 +5087,7 @@
           <a:p>
             <a:fld id="{EE5DF590-96CD-4AE5-8A95-CD2D658D6CDE}" type="datetimeFigureOut">
               <a:rPr lang="zh-TW" altLang="en-US" smtClean="0"/>
-              <a:t>2023/1/11</a:t>
+              <a:t>2023/1/12</a:t>
             </a:fld>
             <a:endParaRPr lang="zh-TW" altLang="en-US"/>
           </a:p>
@@ -5737,7 +5830,7 @@
           <a:p>
             <a:fld id="{EE5DF590-96CD-4AE5-8A95-CD2D658D6CDE}" type="datetimeFigureOut">
               <a:rPr lang="zh-TW" altLang="en-US" smtClean="0"/>
-              <a:t>2023/1/11</a:t>
+              <a:t>2023/1/12</a:t>
             </a:fld>
             <a:endParaRPr lang="zh-TW" altLang="en-US"/>
           </a:p>
@@ -6376,6 +6469,387 @@
           <p:cNvPr id="2" name="標題 1">
             <a:extLst>
               <a:ext uri="{FF2B5EF4-FFF2-40B4-BE49-F238E27FC236}">
+                <a16:creationId xmlns:a16="http://schemas.microsoft.com/office/drawing/2014/main" id="{841818B4-0508-4379-A10B-7ADBA46B3708}"/>
+              </a:ext>
+            </a:extLst>
+          </p:cNvPr>
+          <p:cNvSpPr>
+            <a:spLocks noGrp="1"/>
+          </p:cNvSpPr>
+          <p:nvPr>
+            <p:ph type="title"/>
+          </p:nvPr>
+        </p:nvSpPr>
+        <p:spPr>
+          <a:xfrm>
+            <a:off x="667808" y="428625"/>
+            <a:ext cx="5428192" cy="666750"/>
+          </a:xfrm>
+        </p:spPr>
+        <p:txBody>
+          <a:bodyPr>
+            <a:normAutofit/>
+          </a:bodyPr>
+          <a:lstStyle/>
+          <a:p>
+            <a:r>
+              <a:rPr lang="zh-TW" altLang="en-US" dirty="0"/>
+              <a:t>有效物件判斷</a:t>
+            </a:r>
+          </a:p>
+        </p:txBody>
+      </p:sp>
+      <p:sp>
+        <p:nvSpPr>
+          <p:cNvPr id="6" name="內容版面配置區 2">
+            <a:extLst>
+              <a:ext uri="{FF2B5EF4-FFF2-40B4-BE49-F238E27FC236}">
+                <a16:creationId xmlns:a16="http://schemas.microsoft.com/office/drawing/2014/main" id="{563AE563-127A-4D91-B7D9-14D6C985C591}"/>
+              </a:ext>
+            </a:extLst>
+          </p:cNvPr>
+          <p:cNvSpPr>
+            <a:spLocks noGrp="1"/>
+          </p:cNvSpPr>
+          <p:nvPr>
+            <p:ph idx="1"/>
+          </p:nvPr>
+        </p:nvSpPr>
+        <p:spPr>
+          <a:xfrm>
+            <a:off x="667808" y="1127741"/>
+            <a:ext cx="8596668" cy="804259"/>
+          </a:xfrm>
+        </p:spPr>
+        <p:txBody>
+          <a:bodyPr>
+            <a:normAutofit/>
+          </a:bodyPr>
+          <a:lstStyle/>
+          <a:p>
+            <a:r>
+              <a:rPr lang="zh-TW" altLang="en-US" dirty="0"/>
+              <a:t>利用 </a:t>
+            </a:r>
+            <a:r>
+              <a:rPr lang="en-US" altLang="zh-TW" dirty="0"/>
+              <a:t>SVM</a:t>
+            </a:r>
+            <a:r>
+              <a:rPr lang="zh-TW" altLang="en-US" dirty="0"/>
+              <a:t> 作為分類器</a:t>
+            </a:r>
+            <a:endParaRPr lang="en-US" altLang="zh-TW" dirty="0"/>
+          </a:p>
+          <a:p>
+            <a:r>
+              <a:rPr lang="zh-TW" altLang="en-US" dirty="0"/>
+              <a:t>利用圖片的長寬比做為特徵 </a:t>
+            </a:r>
+          </a:p>
+        </p:txBody>
+      </p:sp>
+      <p:pic>
+        <p:nvPicPr>
+          <p:cNvPr id="7" name="圖片 6">
+            <a:extLst>
+              <a:ext uri="{FF2B5EF4-FFF2-40B4-BE49-F238E27FC236}">
+                <a16:creationId xmlns:a16="http://schemas.microsoft.com/office/drawing/2014/main" id="{DCFEB83D-382C-4902-A745-6BC377DFEEA5}"/>
+              </a:ext>
+            </a:extLst>
+          </p:cNvPr>
+          <p:cNvPicPr>
+            <a:picLocks noChangeAspect="1"/>
+          </p:cNvPicPr>
+          <p:nvPr/>
+        </p:nvPicPr>
+        <p:blipFill>
+          <a:blip r:embed="rId2"/>
+          <a:stretch>
+            <a:fillRect/>
+          </a:stretch>
+        </p:blipFill>
+        <p:spPr>
+          <a:xfrm>
+            <a:off x="1080936" y="3183103"/>
+            <a:ext cx="1538060" cy="3311196"/>
+          </a:xfrm>
+          <a:prstGeom prst="rect">
+            <a:avLst/>
+          </a:prstGeom>
+        </p:spPr>
+      </p:pic>
+      <p:sp>
+        <p:nvSpPr>
+          <p:cNvPr id="8" name="矩形 7">
+            <a:extLst>
+              <a:ext uri="{FF2B5EF4-FFF2-40B4-BE49-F238E27FC236}">
+                <a16:creationId xmlns:a16="http://schemas.microsoft.com/office/drawing/2014/main" id="{FA4A251C-4BE0-4C94-B71D-68973A4997A2}"/>
+              </a:ext>
+            </a:extLst>
+          </p:cNvPr>
+          <p:cNvSpPr/>
+          <p:nvPr/>
+        </p:nvSpPr>
+        <p:spPr>
+          <a:xfrm>
+            <a:off x="1948845" y="2231869"/>
+            <a:ext cx="1107996" cy="369332"/>
+          </a:xfrm>
+          <a:prstGeom prst="rect">
+            <a:avLst/>
+          </a:prstGeom>
+        </p:spPr>
+        <p:txBody>
+          <a:bodyPr wrap="none">
+            <a:spAutoFit/>
+          </a:bodyPr>
+          <a:lstStyle/>
+          <a:p>
+            <a:r>
+              <a:rPr lang="zh-TW" altLang="en-US" dirty="0"/>
+              <a:t>有效物件</a:t>
+            </a:r>
+          </a:p>
+        </p:txBody>
+      </p:sp>
+      <p:pic>
+        <p:nvPicPr>
+          <p:cNvPr id="9" name="圖片 8">
+            <a:extLst>
+              <a:ext uri="{FF2B5EF4-FFF2-40B4-BE49-F238E27FC236}">
+                <a16:creationId xmlns:a16="http://schemas.microsoft.com/office/drawing/2014/main" id="{025650D9-8A6E-4DB4-8EBA-51DB8B5E15AB}"/>
+              </a:ext>
+            </a:extLst>
+          </p:cNvPr>
+          <p:cNvPicPr>
+            <a:picLocks noChangeAspect="1"/>
+          </p:cNvPicPr>
+          <p:nvPr/>
+        </p:nvPicPr>
+        <p:blipFill>
+          <a:blip r:embed="rId3"/>
+          <a:stretch>
+            <a:fillRect/>
+          </a:stretch>
+        </p:blipFill>
+        <p:spPr>
+          <a:xfrm>
+            <a:off x="2618996" y="3183103"/>
+            <a:ext cx="1538060" cy="3361461"/>
+          </a:xfrm>
+          <a:prstGeom prst="rect">
+            <a:avLst/>
+          </a:prstGeom>
+        </p:spPr>
+      </p:pic>
+      <p:sp>
+        <p:nvSpPr>
+          <p:cNvPr id="10" name="矩形 9">
+            <a:extLst>
+              <a:ext uri="{FF2B5EF4-FFF2-40B4-BE49-F238E27FC236}">
+                <a16:creationId xmlns:a16="http://schemas.microsoft.com/office/drawing/2014/main" id="{2482EA2F-ED82-4D3A-942A-9A500B762AFC}"/>
+              </a:ext>
+            </a:extLst>
+          </p:cNvPr>
+          <p:cNvSpPr/>
+          <p:nvPr/>
+        </p:nvSpPr>
+        <p:spPr>
+          <a:xfrm>
+            <a:off x="6765443" y="2231869"/>
+            <a:ext cx="1107996" cy="369332"/>
+          </a:xfrm>
+          <a:prstGeom prst="rect">
+            <a:avLst/>
+          </a:prstGeom>
+        </p:spPr>
+        <p:txBody>
+          <a:bodyPr wrap="none">
+            <a:spAutoFit/>
+          </a:bodyPr>
+          <a:lstStyle/>
+          <a:p>
+            <a:r>
+              <a:rPr lang="zh-TW" altLang="en-US" dirty="0"/>
+              <a:t>無效物件</a:t>
+            </a:r>
+          </a:p>
+        </p:txBody>
+      </p:sp>
+      <p:pic>
+        <p:nvPicPr>
+          <p:cNvPr id="11" name="圖片 10">
+            <a:extLst>
+              <a:ext uri="{FF2B5EF4-FFF2-40B4-BE49-F238E27FC236}">
+                <a16:creationId xmlns:a16="http://schemas.microsoft.com/office/drawing/2014/main" id="{7CAC511C-1166-412F-9F66-0E0298E768F1}"/>
+              </a:ext>
+            </a:extLst>
+          </p:cNvPr>
+          <p:cNvPicPr>
+            <a:picLocks noChangeAspect="1"/>
+          </p:cNvPicPr>
+          <p:nvPr/>
+        </p:nvPicPr>
+        <p:blipFill>
+          <a:blip r:embed="rId4"/>
+          <a:stretch>
+            <a:fillRect/>
+          </a:stretch>
+        </p:blipFill>
+        <p:spPr>
+          <a:xfrm>
+            <a:off x="5532986" y="3200938"/>
+            <a:ext cx="3572913" cy="3418445"/>
+          </a:xfrm>
+          <a:prstGeom prst="rect">
+            <a:avLst/>
+          </a:prstGeom>
+        </p:spPr>
+      </p:pic>
+      <p:sp>
+        <p:nvSpPr>
+          <p:cNvPr id="12" name="文字方塊 11">
+            <a:extLst>
+              <a:ext uri="{FF2B5EF4-FFF2-40B4-BE49-F238E27FC236}">
+                <a16:creationId xmlns:a16="http://schemas.microsoft.com/office/drawing/2014/main" id="{74CE9B67-B37D-4DE0-87E9-2ED938FE93A4}"/>
+              </a:ext>
+            </a:extLst>
+          </p:cNvPr>
+          <p:cNvSpPr txBox="1"/>
+          <p:nvPr/>
+        </p:nvSpPr>
+        <p:spPr>
+          <a:xfrm>
+            <a:off x="1679459" y="2831606"/>
+            <a:ext cx="341013" cy="369332"/>
+          </a:xfrm>
+          <a:prstGeom prst="rect">
+            <a:avLst/>
+          </a:prstGeom>
+          <a:noFill/>
+        </p:spPr>
+        <p:txBody>
+          <a:bodyPr wrap="square" rtlCol="0">
+            <a:spAutoFit/>
+          </a:bodyPr>
+          <a:lstStyle/>
+          <a:p>
+            <a:r>
+              <a:rPr lang="en-US" altLang="zh-TW" dirty="0"/>
+              <a:t>1</a:t>
+            </a:r>
+            <a:endParaRPr lang="zh-TW" altLang="en-US" dirty="0"/>
+          </a:p>
+        </p:txBody>
+      </p:sp>
+      <p:sp>
+        <p:nvSpPr>
+          <p:cNvPr id="13" name="文字方塊 12">
+            <a:extLst>
+              <a:ext uri="{FF2B5EF4-FFF2-40B4-BE49-F238E27FC236}">
+                <a16:creationId xmlns:a16="http://schemas.microsoft.com/office/drawing/2014/main" id="{199CACA8-E70C-4ACD-900B-E2E6B994E33F}"/>
+              </a:ext>
+            </a:extLst>
+          </p:cNvPr>
+          <p:cNvSpPr txBox="1"/>
+          <p:nvPr/>
+        </p:nvSpPr>
+        <p:spPr>
+          <a:xfrm>
+            <a:off x="3259439" y="2831606"/>
+            <a:ext cx="341012" cy="369332"/>
+          </a:xfrm>
+          <a:prstGeom prst="rect">
+            <a:avLst/>
+          </a:prstGeom>
+          <a:noFill/>
+        </p:spPr>
+        <p:txBody>
+          <a:bodyPr wrap="square" rtlCol="0">
+            <a:spAutoFit/>
+          </a:bodyPr>
+          <a:lstStyle/>
+          <a:p>
+            <a:r>
+              <a:rPr lang="en-US" altLang="zh-TW" dirty="0"/>
+              <a:t>2</a:t>
+            </a:r>
+            <a:endParaRPr lang="zh-TW" altLang="en-US" dirty="0"/>
+          </a:p>
+        </p:txBody>
+      </p:sp>
+      <p:sp>
+        <p:nvSpPr>
+          <p:cNvPr id="14" name="文字方塊 13">
+            <a:extLst>
+              <a:ext uri="{FF2B5EF4-FFF2-40B4-BE49-F238E27FC236}">
+                <a16:creationId xmlns:a16="http://schemas.microsoft.com/office/drawing/2014/main" id="{10205754-AD13-4883-93F8-203CDD34E1DC}"/>
+              </a:ext>
+            </a:extLst>
+          </p:cNvPr>
+          <p:cNvSpPr txBox="1"/>
+          <p:nvPr/>
+        </p:nvSpPr>
+        <p:spPr>
+          <a:xfrm>
+            <a:off x="7148935" y="2813770"/>
+            <a:ext cx="341013" cy="369332"/>
+          </a:xfrm>
+          <a:prstGeom prst="rect">
+            <a:avLst/>
+          </a:prstGeom>
+          <a:noFill/>
+        </p:spPr>
+        <p:txBody>
+          <a:bodyPr wrap="square" rtlCol="0">
+            <a:spAutoFit/>
+          </a:bodyPr>
+          <a:lstStyle/>
+          <a:p>
+            <a:r>
+              <a:rPr lang="en-US" altLang="zh-TW" dirty="0"/>
+              <a:t>3</a:t>
+            </a:r>
+            <a:endParaRPr lang="zh-TW" altLang="en-US" dirty="0"/>
+          </a:p>
+        </p:txBody>
+      </p:sp>
+    </p:spTree>
+    <p:extLst>
+      <p:ext uri="{BB962C8B-B14F-4D97-AF65-F5344CB8AC3E}">
+        <p14:creationId xmlns:p14="http://schemas.microsoft.com/office/powerpoint/2010/main" val="3227469722"/>
+      </p:ext>
+    </p:extLst>
+  </p:cSld>
+  <p:clrMapOvr>
+    <a:masterClrMapping/>
+  </p:clrMapOvr>
+</p:sld>
+</file>
+
+<file path=ppt/slides/slide11.xml><?xml version="1.0" encoding="utf-8"?>
+<p:sld xmlns:a="http://schemas.openxmlformats.org/drawingml/2006/main" xmlns:r="http://schemas.openxmlformats.org/officeDocument/2006/relationships" xmlns:p="http://schemas.openxmlformats.org/presentationml/2006/main">
+  <p:cSld>
+    <p:spTree>
+      <p:nvGrpSpPr>
+        <p:cNvPr id="1" name=""/>
+        <p:cNvGrpSpPr/>
+        <p:nvPr/>
+      </p:nvGrpSpPr>
+      <p:grpSpPr>
+        <a:xfrm>
+          <a:off x="0" y="0"/>
+          <a:ext cx="0" cy="0"/>
+          <a:chOff x="0" y="0"/>
+          <a:chExt cx="0" cy="0"/>
+        </a:xfrm>
+      </p:grpSpPr>
+      <p:sp>
+        <p:nvSpPr>
+          <p:cNvPr id="2" name="標題 1">
+            <a:extLst>
+              <a:ext uri="{FF2B5EF4-FFF2-40B4-BE49-F238E27FC236}">
                 <a16:creationId xmlns:a16="http://schemas.microsoft.com/office/drawing/2014/main" id="{273C6807-F220-4101-8FF9-8E8D914A5A65}"/>
               </a:ext>
             </a:extLst>
@@ -6455,7 +6929,7 @@
 </p:sld>
 </file>
 
-<file path=ppt/slides/slide11.xml><?xml version="1.0" encoding="utf-8"?>
+<file path=ppt/slides/slide12.xml><?xml version="1.0" encoding="utf-8"?>
 <p:sld xmlns:a="http://schemas.openxmlformats.org/drawingml/2006/main" xmlns:r="http://schemas.openxmlformats.org/officeDocument/2006/relationships" xmlns:p="http://schemas.openxmlformats.org/presentationml/2006/main">
   <p:cSld>
     <p:spTree>
@@ -6854,7 +7328,7 @@
 </p:sld>
 </file>
 
-<file path=ppt/slides/slide12.xml><?xml version="1.0" encoding="utf-8"?>
+<file path=ppt/slides/slide13.xml><?xml version="1.0" encoding="utf-8"?>
 <p:sld xmlns:a="http://schemas.openxmlformats.org/drawingml/2006/main" xmlns:r="http://schemas.openxmlformats.org/officeDocument/2006/relationships" xmlns:p="http://schemas.openxmlformats.org/presentationml/2006/main">
   <p:cSld>
     <p:spTree>
@@ -7004,7 +7478,7 @@
 </p:sld>
 </file>
 
-<file path=ppt/slides/slide13.xml><?xml version="1.0" encoding="utf-8"?>
+<file path=ppt/slides/slide14.xml><?xml version="1.0" encoding="utf-8"?>
 <p:sld xmlns:a="http://schemas.openxmlformats.org/drawingml/2006/main" xmlns:r="http://schemas.openxmlformats.org/officeDocument/2006/relationships" xmlns:p="http://schemas.openxmlformats.org/presentationml/2006/main">
   <p:cSld>
     <p:spTree>
@@ -7613,7 +8087,7 @@
 </p:sld>
 </file>
 
-<file path=ppt/slides/slide14.xml><?xml version="1.0" encoding="utf-8"?>
+<file path=ppt/slides/slide15.xml><?xml version="1.0" encoding="utf-8"?>
 <p:sld xmlns:a="http://schemas.openxmlformats.org/drawingml/2006/main" xmlns:r="http://schemas.openxmlformats.org/officeDocument/2006/relationships" xmlns:p="http://schemas.openxmlformats.org/presentationml/2006/main">
   <p:cSld>
     <p:spTree>
@@ -8226,7 +8700,7 @@
 </p:sld>
 </file>
 
-<file path=ppt/slides/slide15.xml><?xml version="1.0" encoding="utf-8"?>
+<file path=ppt/slides/slide16.xml><?xml version="1.0" encoding="utf-8"?>
 <p:sld xmlns:a="http://schemas.openxmlformats.org/drawingml/2006/main" xmlns:r="http://schemas.openxmlformats.org/officeDocument/2006/relationships" xmlns:p="http://schemas.openxmlformats.org/presentationml/2006/main">
   <p:cSld>
     <p:spTree>
@@ -8873,7 +9347,7 @@
 </p:sld>
 </file>
 
-<file path=ppt/slides/slide16.xml><?xml version="1.0" encoding="utf-8"?>
+<file path=ppt/slides/slide17.xml><?xml version="1.0" encoding="utf-8"?>
 <p:sld xmlns:a="http://schemas.openxmlformats.org/drawingml/2006/main" xmlns:r="http://schemas.openxmlformats.org/officeDocument/2006/relationships" xmlns:p="http://schemas.openxmlformats.org/presentationml/2006/main">
   <p:cSld>
     <p:spTree>
@@ -9734,7 +10208,7 @@
 </p:sld>
 </file>
 
-<file path=ppt/slides/slide17.xml><?xml version="1.0" encoding="utf-8"?>
+<file path=ppt/slides/slide18.xml><?xml version="1.0" encoding="utf-8"?>
 <p:sld xmlns:a="http://schemas.openxmlformats.org/drawingml/2006/main" xmlns:r="http://schemas.openxmlformats.org/officeDocument/2006/relationships" xmlns:p="http://schemas.openxmlformats.org/presentationml/2006/main">
   <p:cSld>
     <p:spTree>
@@ -10002,7 +10476,7 @@
 </p:sld>
 </file>
 
-<file path=ppt/slides/slide18.xml><?xml version="1.0" encoding="utf-8"?>
+<file path=ppt/slides/slide19.xml><?xml version="1.0" encoding="utf-8"?>
 <p:sld xmlns:a="http://schemas.openxmlformats.org/drawingml/2006/main" xmlns:r="http://schemas.openxmlformats.org/officeDocument/2006/relationships" xmlns:p="http://schemas.openxmlformats.org/presentationml/2006/main">
   <p:cSld>
     <p:spTree>
@@ -10103,7 +10577,171 @@
 </p:sld>
 </file>
 
-<file path=ppt/slides/slide19.xml><?xml version="1.0" encoding="utf-8"?>
+<file path=ppt/slides/slide2.xml><?xml version="1.0" encoding="utf-8"?>
+<p:sld xmlns:a="http://schemas.openxmlformats.org/drawingml/2006/main" xmlns:r="http://schemas.openxmlformats.org/officeDocument/2006/relationships" xmlns:p="http://schemas.openxmlformats.org/presentationml/2006/main">
+  <p:cSld>
+    <p:spTree>
+      <p:nvGrpSpPr>
+        <p:cNvPr id="1" name=""/>
+        <p:cNvGrpSpPr/>
+        <p:nvPr/>
+      </p:nvGrpSpPr>
+      <p:grpSpPr>
+        <a:xfrm>
+          <a:off x="0" y="0"/>
+          <a:ext cx="0" cy="0"/>
+          <a:chOff x="0" y="0"/>
+          <a:chExt cx="0" cy="0"/>
+        </a:xfrm>
+      </p:grpSpPr>
+      <p:sp>
+        <p:nvSpPr>
+          <p:cNvPr id="2" name="標題 1">
+            <a:extLst>
+              <a:ext uri="{FF2B5EF4-FFF2-40B4-BE49-F238E27FC236}">
+                <a16:creationId xmlns:a16="http://schemas.microsoft.com/office/drawing/2014/main" id="{4AD8A8D9-B870-42E1-91AE-AE4CE3730335}"/>
+              </a:ext>
+            </a:extLst>
+          </p:cNvPr>
+          <p:cNvSpPr>
+            <a:spLocks noGrp="1"/>
+          </p:cNvSpPr>
+          <p:nvPr>
+            <p:ph type="title"/>
+          </p:nvPr>
+        </p:nvSpPr>
+        <p:spPr>
+          <a:xfrm>
+            <a:off x="289406" y="240145"/>
+            <a:ext cx="8596668" cy="724525"/>
+          </a:xfrm>
+        </p:spPr>
+        <p:txBody>
+          <a:bodyPr/>
+          <a:lstStyle/>
+          <a:p>
+            <a:r>
+              <a:rPr lang="zh-TW" altLang="en-US" dirty="0"/>
+              <a:t>為什麼選</a:t>
+            </a:r>
+            <a:r>
+              <a:rPr lang="en-US" altLang="zh-TW" dirty="0"/>
+              <a:t>CS1.6</a:t>
+            </a:r>
+            <a:endParaRPr lang="zh-TW" altLang="en-US" dirty="0"/>
+          </a:p>
+        </p:txBody>
+      </p:sp>
+      <p:pic>
+        <p:nvPicPr>
+          <p:cNvPr id="3074" name="Picture 2" descr="Download Counter-Strike 1.6 Cartoon Edition">
+            <a:extLst>
+              <a:ext uri="{FF2B5EF4-FFF2-40B4-BE49-F238E27FC236}">
+                <a16:creationId xmlns:a16="http://schemas.microsoft.com/office/drawing/2014/main" id="{1F1EC738-E237-4326-B3CB-A6F005CEB98E}"/>
+              </a:ext>
+            </a:extLst>
+          </p:cNvPr>
+          <p:cNvPicPr>
+            <a:picLocks noChangeAspect="1" noChangeArrowheads="1"/>
+          </p:cNvPicPr>
+          <p:nvPr/>
+        </p:nvPicPr>
+        <p:blipFill>
+          <a:blip r:embed="rId2">
+            <a:extLst>
+              <a:ext uri="{28A0092B-C50C-407E-A947-70E740481C1C}">
+                <a14:useLocalDpi xmlns:a14="http://schemas.microsoft.com/office/drawing/2010/main" val="0"/>
+              </a:ext>
+            </a:extLst>
+          </a:blip>
+          <a:srcRect/>
+          <a:stretch>
+            <a:fillRect/>
+          </a:stretch>
+        </p:blipFill>
+        <p:spPr bwMode="auto">
+          <a:xfrm>
+            <a:off x="289406" y="1243616"/>
+            <a:ext cx="6188986" cy="3486462"/>
+          </a:xfrm>
+          <a:prstGeom prst="rect">
+            <a:avLst/>
+          </a:prstGeom>
+          <a:noFill/>
+          <a:extLst>
+            <a:ext uri="{909E8E84-426E-40DD-AFC4-6F175D3DCCD1}">
+              <a14:hiddenFill xmlns:a14="http://schemas.microsoft.com/office/drawing/2010/main">
+                <a:solidFill>
+                  <a:srgbClr val="FFFFFF"/>
+                </a:solidFill>
+              </a14:hiddenFill>
+            </a:ext>
+          </a:extLst>
+        </p:spPr>
+      </p:pic>
+      <p:sp>
+        <p:nvSpPr>
+          <p:cNvPr id="6" name="內容版面配置區 2">
+            <a:extLst>
+              <a:ext uri="{FF2B5EF4-FFF2-40B4-BE49-F238E27FC236}">
+                <a16:creationId xmlns:a16="http://schemas.microsoft.com/office/drawing/2014/main" id="{F4D8598E-B578-44D5-8116-D3672D3A6D09}"/>
+              </a:ext>
+            </a:extLst>
+          </p:cNvPr>
+          <p:cNvSpPr>
+            <a:spLocks noGrp="1"/>
+          </p:cNvSpPr>
+          <p:nvPr>
+            <p:ph idx="1"/>
+          </p:nvPr>
+        </p:nvSpPr>
+        <p:spPr>
+          <a:xfrm>
+            <a:off x="6653262" y="1243616"/>
+            <a:ext cx="8596668" cy="4782188"/>
+          </a:xfrm>
+        </p:spPr>
+        <p:txBody>
+          <a:bodyPr>
+            <a:normAutofit/>
+          </a:bodyPr>
+          <a:lstStyle/>
+          <a:p>
+            <a:r>
+              <a:rPr lang="zh-TW" altLang="en-US" dirty="0"/>
+              <a:t>遊戲耗能不大</a:t>
+            </a:r>
+            <a:endParaRPr lang="en-US" altLang="zh-TW" dirty="0"/>
+          </a:p>
+          <a:p>
+            <a:r>
+              <a:rPr lang="zh-TW" altLang="en-US" dirty="0"/>
+              <a:t>遊戲畫面較單純</a:t>
+            </a:r>
+            <a:endParaRPr lang="en-US" altLang="zh-TW" dirty="0"/>
+          </a:p>
+          <a:p>
+            <a:r>
+              <a:rPr lang="zh-TW" altLang="en-US" dirty="0"/>
+              <a:t>單機遊戲，不會有犯法疑慮</a:t>
+            </a:r>
+          </a:p>
+        </p:txBody>
+      </p:sp>
+    </p:spTree>
+    <p:extLst>
+      <p:ext uri="{BB962C8B-B14F-4D97-AF65-F5344CB8AC3E}">
+        <p14:creationId xmlns:p14="http://schemas.microsoft.com/office/powerpoint/2010/main" val="1759852048"/>
+      </p:ext>
+    </p:extLst>
+  </p:cSld>
+  <p:clrMapOvr>
+    <a:masterClrMapping/>
+  </p:clrMapOvr>
+</p:sld>
+</file>
+
+<file path=ppt/slides/slide20.xml><?xml version="1.0" encoding="utf-8"?>
 <p:sld xmlns:a="http://schemas.openxmlformats.org/drawingml/2006/main" xmlns:r="http://schemas.openxmlformats.org/officeDocument/2006/relationships" xmlns:p="http://schemas.openxmlformats.org/presentationml/2006/main">
   <p:cSld>
     <p:spTree>
@@ -10509,171 +11147,7 @@
 </p:sld>
 </file>
 
-<file path=ppt/slides/slide2.xml><?xml version="1.0" encoding="utf-8"?>
-<p:sld xmlns:a="http://schemas.openxmlformats.org/drawingml/2006/main" xmlns:r="http://schemas.openxmlformats.org/officeDocument/2006/relationships" xmlns:p="http://schemas.openxmlformats.org/presentationml/2006/main">
-  <p:cSld>
-    <p:spTree>
-      <p:nvGrpSpPr>
-        <p:cNvPr id="1" name=""/>
-        <p:cNvGrpSpPr/>
-        <p:nvPr/>
-      </p:nvGrpSpPr>
-      <p:grpSpPr>
-        <a:xfrm>
-          <a:off x="0" y="0"/>
-          <a:ext cx="0" cy="0"/>
-          <a:chOff x="0" y="0"/>
-          <a:chExt cx="0" cy="0"/>
-        </a:xfrm>
-      </p:grpSpPr>
-      <p:sp>
-        <p:nvSpPr>
-          <p:cNvPr id="2" name="標題 1">
-            <a:extLst>
-              <a:ext uri="{FF2B5EF4-FFF2-40B4-BE49-F238E27FC236}">
-                <a16:creationId xmlns:a16="http://schemas.microsoft.com/office/drawing/2014/main" id="{4AD8A8D9-B870-42E1-91AE-AE4CE3730335}"/>
-              </a:ext>
-            </a:extLst>
-          </p:cNvPr>
-          <p:cNvSpPr>
-            <a:spLocks noGrp="1"/>
-          </p:cNvSpPr>
-          <p:nvPr>
-            <p:ph type="title"/>
-          </p:nvPr>
-        </p:nvSpPr>
-        <p:spPr>
-          <a:xfrm>
-            <a:off x="289406" y="240145"/>
-            <a:ext cx="8596668" cy="724525"/>
-          </a:xfrm>
-        </p:spPr>
-        <p:txBody>
-          <a:bodyPr/>
-          <a:lstStyle/>
-          <a:p>
-            <a:r>
-              <a:rPr lang="zh-TW" altLang="en-US" dirty="0"/>
-              <a:t>為什麼選</a:t>
-            </a:r>
-            <a:r>
-              <a:rPr lang="en-US" altLang="zh-TW" dirty="0"/>
-              <a:t>CS1.6</a:t>
-            </a:r>
-            <a:endParaRPr lang="zh-TW" altLang="en-US" dirty="0"/>
-          </a:p>
-        </p:txBody>
-      </p:sp>
-      <p:pic>
-        <p:nvPicPr>
-          <p:cNvPr id="3074" name="Picture 2" descr="Download Counter-Strike 1.6 Cartoon Edition">
-            <a:extLst>
-              <a:ext uri="{FF2B5EF4-FFF2-40B4-BE49-F238E27FC236}">
-                <a16:creationId xmlns:a16="http://schemas.microsoft.com/office/drawing/2014/main" id="{1F1EC738-E237-4326-B3CB-A6F005CEB98E}"/>
-              </a:ext>
-            </a:extLst>
-          </p:cNvPr>
-          <p:cNvPicPr>
-            <a:picLocks noChangeAspect="1" noChangeArrowheads="1"/>
-          </p:cNvPicPr>
-          <p:nvPr/>
-        </p:nvPicPr>
-        <p:blipFill>
-          <a:blip r:embed="rId2">
-            <a:extLst>
-              <a:ext uri="{28A0092B-C50C-407E-A947-70E740481C1C}">
-                <a14:useLocalDpi xmlns:a14="http://schemas.microsoft.com/office/drawing/2010/main" val="0"/>
-              </a:ext>
-            </a:extLst>
-          </a:blip>
-          <a:srcRect/>
-          <a:stretch>
-            <a:fillRect/>
-          </a:stretch>
-        </p:blipFill>
-        <p:spPr bwMode="auto">
-          <a:xfrm>
-            <a:off x="289406" y="1243616"/>
-            <a:ext cx="6188986" cy="3486462"/>
-          </a:xfrm>
-          <a:prstGeom prst="rect">
-            <a:avLst/>
-          </a:prstGeom>
-          <a:noFill/>
-          <a:extLst>
-            <a:ext uri="{909E8E84-426E-40DD-AFC4-6F175D3DCCD1}">
-              <a14:hiddenFill xmlns:a14="http://schemas.microsoft.com/office/drawing/2010/main">
-                <a:solidFill>
-                  <a:srgbClr val="FFFFFF"/>
-                </a:solidFill>
-              </a14:hiddenFill>
-            </a:ext>
-          </a:extLst>
-        </p:spPr>
-      </p:pic>
-      <p:sp>
-        <p:nvSpPr>
-          <p:cNvPr id="6" name="內容版面配置區 2">
-            <a:extLst>
-              <a:ext uri="{FF2B5EF4-FFF2-40B4-BE49-F238E27FC236}">
-                <a16:creationId xmlns:a16="http://schemas.microsoft.com/office/drawing/2014/main" id="{F4D8598E-B578-44D5-8116-D3672D3A6D09}"/>
-              </a:ext>
-            </a:extLst>
-          </p:cNvPr>
-          <p:cNvSpPr>
-            <a:spLocks noGrp="1"/>
-          </p:cNvSpPr>
-          <p:nvPr>
-            <p:ph idx="1"/>
-          </p:nvPr>
-        </p:nvSpPr>
-        <p:spPr>
-          <a:xfrm>
-            <a:off x="6653262" y="1243616"/>
-            <a:ext cx="8596668" cy="4782188"/>
-          </a:xfrm>
-        </p:spPr>
-        <p:txBody>
-          <a:bodyPr>
-            <a:normAutofit/>
-          </a:bodyPr>
-          <a:lstStyle/>
-          <a:p>
-            <a:r>
-              <a:rPr lang="zh-TW" altLang="en-US" dirty="0"/>
-              <a:t>遊戲耗能不大</a:t>
-            </a:r>
-            <a:endParaRPr lang="en-US" altLang="zh-TW" dirty="0"/>
-          </a:p>
-          <a:p>
-            <a:r>
-              <a:rPr lang="zh-TW" altLang="en-US" dirty="0"/>
-              <a:t>遊戲畫面較單純</a:t>
-            </a:r>
-            <a:endParaRPr lang="en-US" altLang="zh-TW" dirty="0"/>
-          </a:p>
-          <a:p>
-            <a:r>
-              <a:rPr lang="zh-TW" altLang="en-US" dirty="0"/>
-              <a:t>單機遊戲，不會有犯法疑慮</a:t>
-            </a:r>
-          </a:p>
-        </p:txBody>
-      </p:sp>
-    </p:spTree>
-    <p:extLst>
-      <p:ext uri="{BB962C8B-B14F-4D97-AF65-F5344CB8AC3E}">
-        <p14:creationId xmlns:p14="http://schemas.microsoft.com/office/powerpoint/2010/main" val="1759852048"/>
-      </p:ext>
-    </p:extLst>
-  </p:cSld>
-  <p:clrMapOvr>
-    <a:masterClrMapping/>
-  </p:clrMapOvr>
-</p:sld>
-</file>
-
-<file path=ppt/slides/slide20.xml><?xml version="1.0" encoding="utf-8"?>
+<file path=ppt/slides/slide21.xml><?xml version="1.0" encoding="utf-8"?>
 <p:sld xmlns:a="http://schemas.openxmlformats.org/drawingml/2006/main" xmlns:r="http://schemas.openxmlformats.org/officeDocument/2006/relationships" xmlns:p="http://schemas.openxmlformats.org/presentationml/2006/main">
   <p:cSld>
     <p:spTree>
@@ -11100,7 +11574,7 @@
 </p:sld>
 </file>
 
-<file path=ppt/slides/slide21.xml><?xml version="1.0" encoding="utf-8"?>
+<file path=ppt/slides/slide22.xml><?xml version="1.0" encoding="utf-8"?>
 <p:sld xmlns:a="http://schemas.openxmlformats.org/drawingml/2006/main" xmlns:r="http://schemas.openxmlformats.org/officeDocument/2006/relationships" xmlns:p="http://schemas.openxmlformats.org/presentationml/2006/main">
   <p:cSld>
     <p:spTree>
@@ -11680,7 +12154,7 @@
 </p:sld>
 </file>
 
-<file path=ppt/slides/slide22.xml><?xml version="1.0" encoding="utf-8"?>
+<file path=ppt/slides/slide23.xml><?xml version="1.0" encoding="utf-8"?>
 <p:sld xmlns:a="http://schemas.openxmlformats.org/drawingml/2006/main" xmlns:r="http://schemas.openxmlformats.org/officeDocument/2006/relationships" xmlns:p="http://schemas.openxmlformats.org/presentationml/2006/main">
   <p:cSld>
     <p:spTree>
@@ -13051,7 +13525,7 @@
 </p:sld>
 </file>
 
-<file path=ppt/slides/slide23.xml><?xml version="1.0" encoding="utf-8"?>
+<file path=ppt/slides/slide24.xml><?xml version="1.0" encoding="utf-8"?>
 <p:sld xmlns:a="http://schemas.openxmlformats.org/drawingml/2006/main" xmlns:r="http://schemas.openxmlformats.org/officeDocument/2006/relationships" xmlns:p="http://schemas.openxmlformats.org/presentationml/2006/main">
   <p:cSld>
     <p:spTree>
@@ -13348,6 +13822,2114 @@
     <p:extLst>
       <p:ext uri="{BB962C8B-B14F-4D97-AF65-F5344CB8AC3E}">
         <p14:creationId xmlns:p14="http://schemas.microsoft.com/office/powerpoint/2010/main" val="2866887109"/>
+      </p:ext>
+    </p:extLst>
+  </p:cSld>
+  <p:clrMapOvr>
+    <a:masterClrMapping/>
+  </p:clrMapOvr>
+</p:sld>
+</file>
+
+<file path=ppt/slides/slide25.xml><?xml version="1.0" encoding="utf-8"?>
+<p:sld xmlns:a="http://schemas.openxmlformats.org/drawingml/2006/main" xmlns:r="http://schemas.openxmlformats.org/officeDocument/2006/relationships" xmlns:p="http://schemas.openxmlformats.org/presentationml/2006/main">
+  <p:cSld>
+    <p:spTree>
+      <p:nvGrpSpPr>
+        <p:cNvPr id="1" name=""/>
+        <p:cNvGrpSpPr/>
+        <p:nvPr/>
+      </p:nvGrpSpPr>
+      <p:grpSpPr>
+        <a:xfrm>
+          <a:off x="0" y="0"/>
+          <a:ext cx="0" cy="0"/>
+          <a:chOff x="0" y="0"/>
+          <a:chExt cx="0" cy="0"/>
+        </a:xfrm>
+      </p:grpSpPr>
+      <p:sp>
+        <p:nvSpPr>
+          <p:cNvPr id="2" name="標題 1">
+            <a:extLst>
+              <a:ext uri="{FF2B5EF4-FFF2-40B4-BE49-F238E27FC236}">
+                <a16:creationId xmlns:a16="http://schemas.microsoft.com/office/drawing/2014/main" id="{0F098EA6-B9CA-41F9-9BA3-8AD9BC3BF92C}"/>
+              </a:ext>
+            </a:extLst>
+          </p:cNvPr>
+          <p:cNvSpPr>
+            <a:spLocks noGrp="1"/>
+          </p:cNvSpPr>
+          <p:nvPr>
+            <p:ph type="title"/>
+          </p:nvPr>
+        </p:nvSpPr>
+        <p:spPr>
+          <a:xfrm>
+            <a:off x="677334" y="270235"/>
+            <a:ext cx="8596668" cy="1320800"/>
+          </a:xfrm>
+        </p:spPr>
+        <p:txBody>
+          <a:bodyPr/>
+          <a:lstStyle/>
+          <a:p>
+            <a:r>
+              <a:rPr lang="zh-TW" altLang="en-US" dirty="0"/>
+              <a:t>附錄 </a:t>
+            </a:r>
+            <a:r>
+              <a:rPr lang="en-US" altLang="zh-TW" dirty="0"/>
+              <a:t>- 1 </a:t>
+            </a:r>
+            <a:endParaRPr lang="zh-TW" altLang="en-US" dirty="0"/>
+          </a:p>
+        </p:txBody>
+      </p:sp>
+      <p:pic>
+        <p:nvPicPr>
+          <p:cNvPr id="5" name="圖片 4">
+            <a:extLst>
+              <a:ext uri="{FF2B5EF4-FFF2-40B4-BE49-F238E27FC236}">
+                <a16:creationId xmlns:a16="http://schemas.microsoft.com/office/drawing/2014/main" id="{E675B729-ECE9-49AD-A9FB-EFC88180921A}"/>
+              </a:ext>
+            </a:extLst>
+          </p:cNvPr>
+          <p:cNvPicPr>
+            <a:picLocks noChangeAspect="1"/>
+          </p:cNvPicPr>
+          <p:nvPr/>
+        </p:nvPicPr>
+        <p:blipFill>
+          <a:blip r:embed="rId2">
+            <a:extLst>
+              <a:ext uri="{28A0092B-C50C-407E-A947-70E740481C1C}">
+                <a14:useLocalDpi xmlns:a14="http://schemas.microsoft.com/office/drawing/2010/main" val="0"/>
+              </a:ext>
+            </a:extLst>
+          </a:blip>
+          <a:stretch>
+            <a:fillRect/>
+          </a:stretch>
+        </p:blipFill>
+        <p:spPr>
+          <a:xfrm>
+            <a:off x="844377" y="1251146"/>
+            <a:ext cx="8429625" cy="5229225"/>
+          </a:xfrm>
+          <a:prstGeom prst="rect">
+            <a:avLst/>
+          </a:prstGeom>
+        </p:spPr>
+      </p:pic>
+      <p:sp>
+        <p:nvSpPr>
+          <p:cNvPr id="6" name="矩形 5">
+            <a:extLst>
+              <a:ext uri="{FF2B5EF4-FFF2-40B4-BE49-F238E27FC236}">
+                <a16:creationId xmlns:a16="http://schemas.microsoft.com/office/drawing/2014/main" id="{992A513F-732A-4FD7-BAD4-D582631AC3CE}"/>
+              </a:ext>
+            </a:extLst>
+          </p:cNvPr>
+          <p:cNvSpPr/>
+          <p:nvPr/>
+        </p:nvSpPr>
+        <p:spPr>
+          <a:xfrm>
+            <a:off x="4050521" y="2997725"/>
+            <a:ext cx="1124793" cy="1991938"/>
+          </a:xfrm>
+          <a:prstGeom prst="rect">
+            <a:avLst/>
+          </a:prstGeom>
+          <a:noFill/>
+          <a:ln>
+            <a:solidFill>
+              <a:schemeClr val="accent4"/>
+            </a:solidFill>
+          </a:ln>
+        </p:spPr>
+        <p:style>
+          <a:lnRef idx="2">
+            <a:schemeClr val="accent1">
+              <a:shade val="50000"/>
+            </a:schemeClr>
+          </a:lnRef>
+          <a:fillRef idx="1">
+            <a:schemeClr val="accent1"/>
+          </a:fillRef>
+          <a:effectRef idx="0">
+            <a:schemeClr val="accent1"/>
+          </a:effectRef>
+          <a:fontRef idx="minor">
+            <a:schemeClr val="lt1"/>
+          </a:fontRef>
+        </p:style>
+        <p:txBody>
+          <a:bodyPr rtlCol="0" anchor="ctr"/>
+          <a:lstStyle/>
+          <a:p>
+            <a:pPr algn="ctr"/>
+            <a:endParaRPr lang="zh-TW" altLang="en-US"/>
+          </a:p>
+        </p:txBody>
+      </p:sp>
+    </p:spTree>
+    <p:extLst>
+      <p:ext uri="{BB962C8B-B14F-4D97-AF65-F5344CB8AC3E}">
+        <p14:creationId xmlns:p14="http://schemas.microsoft.com/office/powerpoint/2010/main" val="295469639"/>
+      </p:ext>
+    </p:extLst>
+  </p:cSld>
+  <p:clrMapOvr>
+    <a:masterClrMapping/>
+  </p:clrMapOvr>
+</p:sld>
+</file>
+
+<file path=ppt/slides/slide26.xml><?xml version="1.0" encoding="utf-8"?>
+<p:sld xmlns:a="http://schemas.openxmlformats.org/drawingml/2006/main" xmlns:r="http://schemas.openxmlformats.org/officeDocument/2006/relationships" xmlns:p="http://schemas.openxmlformats.org/presentationml/2006/main">
+  <p:cSld>
+    <p:spTree>
+      <p:nvGrpSpPr>
+        <p:cNvPr id="1" name=""/>
+        <p:cNvGrpSpPr/>
+        <p:nvPr/>
+      </p:nvGrpSpPr>
+      <p:grpSpPr>
+        <a:xfrm>
+          <a:off x="0" y="0"/>
+          <a:ext cx="0" cy="0"/>
+          <a:chOff x="0" y="0"/>
+          <a:chExt cx="0" cy="0"/>
+        </a:xfrm>
+      </p:grpSpPr>
+      <p:sp>
+        <p:nvSpPr>
+          <p:cNvPr id="2" name="標題 1">
+            <a:extLst>
+              <a:ext uri="{FF2B5EF4-FFF2-40B4-BE49-F238E27FC236}">
+                <a16:creationId xmlns:a16="http://schemas.microsoft.com/office/drawing/2014/main" id="{1CC7FE6A-A62C-485B-8303-0B4F07C51771}"/>
+              </a:ext>
+            </a:extLst>
+          </p:cNvPr>
+          <p:cNvSpPr>
+            <a:spLocks noGrp="1"/>
+          </p:cNvSpPr>
+          <p:nvPr>
+            <p:ph type="title"/>
+          </p:nvPr>
+        </p:nvSpPr>
+        <p:spPr/>
+        <p:txBody>
+          <a:bodyPr/>
+          <a:lstStyle/>
+          <a:p>
+            <a:r>
+              <a:rPr lang="zh-TW" altLang="en-US" dirty="0"/>
+              <a:t>附錄 </a:t>
+            </a:r>
+            <a:r>
+              <a:rPr lang="en-US" altLang="zh-TW" dirty="0"/>
+              <a:t>- 2</a:t>
+            </a:r>
+            <a:endParaRPr lang="zh-TW" altLang="en-US" dirty="0"/>
+          </a:p>
+        </p:txBody>
+      </p:sp>
+      <p:sp>
+        <p:nvSpPr>
+          <p:cNvPr id="4" name="AutoShape 2" descr="https://i.imgur.com/zpEILjq.png">
+            <a:extLst>
+              <a:ext uri="{FF2B5EF4-FFF2-40B4-BE49-F238E27FC236}">
+                <a16:creationId xmlns:a16="http://schemas.microsoft.com/office/drawing/2014/main" id="{50B6376E-794A-4C4F-8CC7-BC3AC577BBCC}"/>
+              </a:ext>
+            </a:extLst>
+          </p:cNvPr>
+          <p:cNvSpPr>
+            <a:spLocks noChangeAspect="1" noChangeArrowheads="1"/>
+          </p:cNvSpPr>
+          <p:nvPr/>
+        </p:nvSpPr>
+        <p:spPr bwMode="auto">
+          <a:xfrm>
+            <a:off x="5943600" y="3276600"/>
+            <a:ext cx="304800" cy="304800"/>
+          </a:xfrm>
+          <a:prstGeom prst="rect">
+            <a:avLst/>
+          </a:prstGeom>
+          <a:noFill/>
+          <a:extLst>
+            <a:ext uri="{909E8E84-426E-40DD-AFC4-6F175D3DCCD1}">
+              <a14:hiddenFill xmlns:a14="http://schemas.microsoft.com/office/drawing/2010/main">
+                <a:solidFill>
+                  <a:srgbClr val="FFFFFF"/>
+                </a:solidFill>
+              </a14:hiddenFill>
+            </a:ext>
+          </a:extLst>
+        </p:spPr>
+        <p:txBody>
+          <a:bodyPr vert="horz" wrap="square" lIns="91440" tIns="45720" rIns="91440" bIns="45720" numCol="1" anchor="t" anchorCtr="0" compatLnSpc="1">
+            <a:prstTxWarp prst="textNoShape">
+              <a:avLst/>
+            </a:prstTxWarp>
+          </a:bodyPr>
+          <a:lstStyle/>
+          <a:p>
+            <a:endParaRPr lang="zh-TW" altLang="en-US"/>
+          </a:p>
+        </p:txBody>
+      </p:sp>
+      <p:pic>
+        <p:nvPicPr>
+          <p:cNvPr id="5" name="圖片 4">
+            <a:extLst>
+              <a:ext uri="{FF2B5EF4-FFF2-40B4-BE49-F238E27FC236}">
+                <a16:creationId xmlns:a16="http://schemas.microsoft.com/office/drawing/2014/main" id="{9A8C3382-02F7-42E7-8CB9-8B7AB29E7703}"/>
+              </a:ext>
+            </a:extLst>
+          </p:cNvPr>
+          <p:cNvPicPr>
+            <a:picLocks noChangeAspect="1"/>
+          </p:cNvPicPr>
+          <p:nvPr/>
+        </p:nvPicPr>
+        <p:blipFill>
+          <a:blip r:embed="rId2"/>
+          <a:stretch>
+            <a:fillRect/>
+          </a:stretch>
+        </p:blipFill>
+        <p:spPr>
+          <a:xfrm>
+            <a:off x="3988391" y="609600"/>
+            <a:ext cx="2107609" cy="6117071"/>
+          </a:xfrm>
+          <a:prstGeom prst="rect">
+            <a:avLst/>
+          </a:prstGeom>
+        </p:spPr>
+      </p:pic>
+    </p:spTree>
+    <p:extLst>
+      <p:ext uri="{BB962C8B-B14F-4D97-AF65-F5344CB8AC3E}">
+        <p14:creationId xmlns:p14="http://schemas.microsoft.com/office/powerpoint/2010/main" val="721644518"/>
+      </p:ext>
+    </p:extLst>
+  </p:cSld>
+  <p:clrMapOvr>
+    <a:masterClrMapping/>
+  </p:clrMapOvr>
+</p:sld>
+</file>
+
+<file path=ppt/slides/slide27.xml><?xml version="1.0" encoding="utf-8"?>
+<p:sld xmlns:a="http://schemas.openxmlformats.org/drawingml/2006/main" xmlns:r="http://schemas.openxmlformats.org/officeDocument/2006/relationships" xmlns:p="http://schemas.openxmlformats.org/presentationml/2006/main">
+  <p:cSld>
+    <p:spTree>
+      <p:nvGrpSpPr>
+        <p:cNvPr id="1" name=""/>
+        <p:cNvGrpSpPr/>
+        <p:nvPr/>
+      </p:nvGrpSpPr>
+      <p:grpSpPr>
+        <a:xfrm>
+          <a:off x="0" y="0"/>
+          <a:ext cx="0" cy="0"/>
+          <a:chOff x="0" y="0"/>
+          <a:chExt cx="0" cy="0"/>
+        </a:xfrm>
+      </p:grpSpPr>
+      <p:grpSp>
+        <p:nvGrpSpPr>
+          <p:cNvPr id="2" name="群組 1">
+            <a:extLst>
+              <a:ext uri="{FF2B5EF4-FFF2-40B4-BE49-F238E27FC236}">
+                <a16:creationId xmlns:a16="http://schemas.microsoft.com/office/drawing/2014/main" id="{F4D81DA4-7899-4ABE-AC45-1557B7131746}"/>
+              </a:ext>
+            </a:extLst>
+          </p:cNvPr>
+          <p:cNvGrpSpPr/>
+          <p:nvPr/>
+        </p:nvGrpSpPr>
+        <p:grpSpPr>
+          <a:xfrm>
+            <a:off x="1450190" y="173417"/>
+            <a:ext cx="6480793" cy="6303364"/>
+            <a:chOff x="1450190" y="173417"/>
+            <a:chExt cx="6480793" cy="6303364"/>
+          </a:xfrm>
+        </p:grpSpPr>
+        <p:sp>
+          <p:nvSpPr>
+            <p:cNvPr id="4" name="橢圓 3">
+              <a:extLst>
+                <a:ext uri="{FF2B5EF4-FFF2-40B4-BE49-F238E27FC236}">
+                  <a16:creationId xmlns:a16="http://schemas.microsoft.com/office/drawing/2014/main" id="{82C6F34D-DB37-439A-B239-DBDA43D36700}"/>
+                </a:ext>
+              </a:extLst>
+            </p:cNvPr>
+            <p:cNvSpPr/>
+            <p:nvPr/>
+          </p:nvSpPr>
+          <p:spPr>
+            <a:xfrm>
+              <a:off x="1631268" y="173417"/>
+              <a:ext cx="1149790" cy="543208"/>
+            </a:xfrm>
+            <a:prstGeom prst="ellipse">
+              <a:avLst/>
+            </a:prstGeom>
+          </p:spPr>
+          <p:style>
+            <a:lnRef idx="2">
+              <a:schemeClr val="accent1">
+                <a:shade val="50000"/>
+              </a:schemeClr>
+            </a:lnRef>
+            <a:fillRef idx="1">
+              <a:schemeClr val="accent1"/>
+            </a:fillRef>
+            <a:effectRef idx="0">
+              <a:schemeClr val="accent1"/>
+            </a:effectRef>
+            <a:fontRef idx="minor">
+              <a:schemeClr val="lt1"/>
+            </a:fontRef>
+          </p:style>
+          <p:txBody>
+            <a:bodyPr rtlCol="0" anchor="ctr"/>
+            <a:lstStyle/>
+            <a:p>
+              <a:pPr algn="ctr"/>
+              <a:r>
+                <a:rPr lang="en-US" altLang="zh-TW" dirty="0"/>
+                <a:t>start</a:t>
+              </a:r>
+              <a:endParaRPr lang="zh-TW" altLang="en-US" dirty="0"/>
+            </a:p>
+          </p:txBody>
+        </p:sp>
+        <p:sp>
+          <p:nvSpPr>
+            <p:cNvPr id="7" name="流程圖: 決策 6">
+              <a:extLst>
+                <a:ext uri="{FF2B5EF4-FFF2-40B4-BE49-F238E27FC236}">
+                  <a16:creationId xmlns:a16="http://schemas.microsoft.com/office/drawing/2014/main" id="{AA260A32-2BF1-4152-9113-431C25E4380E}"/>
+                </a:ext>
+              </a:extLst>
+            </p:cNvPr>
+            <p:cNvSpPr/>
+            <p:nvPr/>
+          </p:nvSpPr>
+          <p:spPr>
+            <a:xfrm>
+              <a:off x="1450190" y="1780295"/>
+              <a:ext cx="1511931" cy="733331"/>
+            </a:xfrm>
+            <a:prstGeom prst="flowChartDecision">
+              <a:avLst/>
+            </a:prstGeom>
+          </p:spPr>
+          <p:style>
+            <a:lnRef idx="2">
+              <a:schemeClr val="accent1">
+                <a:shade val="50000"/>
+              </a:schemeClr>
+            </a:lnRef>
+            <a:fillRef idx="1">
+              <a:schemeClr val="accent1"/>
+            </a:fillRef>
+            <a:effectRef idx="0">
+              <a:schemeClr val="accent1"/>
+            </a:effectRef>
+            <a:fontRef idx="minor">
+              <a:schemeClr val="lt1"/>
+            </a:fontRef>
+          </p:style>
+          <p:txBody>
+            <a:bodyPr rtlCol="0" anchor="ctr"/>
+            <a:lstStyle/>
+            <a:p>
+              <a:pPr algn="ctr"/>
+              <a:r>
+                <a:rPr lang="zh-TW" altLang="en-US" sz="1200" dirty="0"/>
+                <a:t>是否按下左鍵</a:t>
+              </a:r>
+            </a:p>
+          </p:txBody>
+        </p:sp>
+        <p:cxnSp>
+          <p:nvCxnSpPr>
+            <p:cNvPr id="11" name="接點: 肘形 10">
+              <a:extLst>
+                <a:ext uri="{FF2B5EF4-FFF2-40B4-BE49-F238E27FC236}">
+                  <a16:creationId xmlns:a16="http://schemas.microsoft.com/office/drawing/2014/main" id="{F245D65D-DBE7-43F9-91C2-60171C0825E3}"/>
+                </a:ext>
+              </a:extLst>
+            </p:cNvPr>
+            <p:cNvCxnSpPr>
+              <a:stCxn id="7" idx="3"/>
+              <a:endCxn id="7" idx="0"/>
+            </p:cNvCxnSpPr>
+            <p:nvPr/>
+          </p:nvCxnSpPr>
+          <p:spPr>
+            <a:xfrm flipH="1" flipV="1">
+              <a:off x="2206156" y="1780295"/>
+              <a:ext cx="755965" cy="366666"/>
+            </a:xfrm>
+            <a:prstGeom prst="bentConnector4">
+              <a:avLst>
+                <a:gd name="adj1" fmla="val -30239"/>
+                <a:gd name="adj2" fmla="val 162346"/>
+              </a:avLst>
+            </a:prstGeom>
+            <a:ln>
+              <a:tailEnd type="triangle"/>
+            </a:ln>
+          </p:spPr>
+          <p:style>
+            <a:lnRef idx="1">
+              <a:schemeClr val="accent1"/>
+            </a:lnRef>
+            <a:fillRef idx="0">
+              <a:schemeClr val="accent1"/>
+            </a:fillRef>
+            <a:effectRef idx="0">
+              <a:schemeClr val="accent1"/>
+            </a:effectRef>
+            <a:fontRef idx="minor">
+              <a:schemeClr val="tx1"/>
+            </a:fontRef>
+          </p:style>
+        </p:cxnSp>
+        <p:cxnSp>
+          <p:nvCxnSpPr>
+            <p:cNvPr id="14" name="直線單箭頭接點 13">
+              <a:extLst>
+                <a:ext uri="{FF2B5EF4-FFF2-40B4-BE49-F238E27FC236}">
+                  <a16:creationId xmlns:a16="http://schemas.microsoft.com/office/drawing/2014/main" id="{44B34450-463A-4181-B814-F390A2B93D22}"/>
+                </a:ext>
+              </a:extLst>
+            </p:cNvPr>
+            <p:cNvCxnSpPr>
+              <a:cxnSpLocks/>
+              <a:stCxn id="7" idx="2"/>
+              <a:endCxn id="15" idx="0"/>
+            </p:cNvCxnSpPr>
+            <p:nvPr/>
+          </p:nvCxnSpPr>
+          <p:spPr>
+            <a:xfrm>
+              <a:off x="2206156" y="2513626"/>
+              <a:ext cx="2" cy="218103"/>
+            </a:xfrm>
+            <a:prstGeom prst="straightConnector1">
+              <a:avLst/>
+            </a:prstGeom>
+            <a:ln>
+              <a:tailEnd type="triangle"/>
+            </a:ln>
+          </p:spPr>
+          <p:style>
+            <a:lnRef idx="1">
+              <a:schemeClr val="accent1"/>
+            </a:lnRef>
+            <a:fillRef idx="0">
+              <a:schemeClr val="accent1"/>
+            </a:fillRef>
+            <a:effectRef idx="0">
+              <a:schemeClr val="accent1"/>
+            </a:effectRef>
+            <a:fontRef idx="minor">
+              <a:schemeClr val="tx1"/>
+            </a:fontRef>
+          </p:style>
+        </p:cxnSp>
+        <p:sp>
+          <p:nvSpPr>
+            <p:cNvPr id="15" name="矩形: 圓角 14">
+              <a:extLst>
+                <a:ext uri="{FF2B5EF4-FFF2-40B4-BE49-F238E27FC236}">
+                  <a16:creationId xmlns:a16="http://schemas.microsoft.com/office/drawing/2014/main" id="{2172542C-0CF0-4250-ADBF-2E3B909A5493}"/>
+                </a:ext>
+              </a:extLst>
+            </p:cNvPr>
+            <p:cNvSpPr/>
+            <p:nvPr/>
+          </p:nvSpPr>
+          <p:spPr>
+            <a:xfrm>
+              <a:off x="1450195" y="2731729"/>
+              <a:ext cx="1511926" cy="603523"/>
+            </a:xfrm>
+            <a:prstGeom prst="roundRect">
+              <a:avLst/>
+            </a:prstGeom>
+          </p:spPr>
+          <p:style>
+            <a:lnRef idx="2">
+              <a:schemeClr val="accent1">
+                <a:shade val="50000"/>
+              </a:schemeClr>
+            </a:lnRef>
+            <a:fillRef idx="1">
+              <a:schemeClr val="accent1"/>
+            </a:fillRef>
+            <a:effectRef idx="0">
+              <a:schemeClr val="accent1"/>
+            </a:effectRef>
+            <a:fontRef idx="minor">
+              <a:schemeClr val="lt1"/>
+            </a:fontRef>
+          </p:style>
+          <p:txBody>
+            <a:bodyPr rtlCol="0" anchor="ctr"/>
+            <a:lstStyle/>
+            <a:p>
+              <a:pPr algn="ctr"/>
+              <a:r>
+                <a:rPr lang="zh-TW" altLang="en-US" dirty="0"/>
+                <a:t>紀錄中心點位置</a:t>
+              </a:r>
+            </a:p>
+          </p:txBody>
+        </p:sp>
+        <p:sp>
+          <p:nvSpPr>
+            <p:cNvPr id="22" name="矩形: 圓角 21">
+              <a:extLst>
+                <a:ext uri="{FF2B5EF4-FFF2-40B4-BE49-F238E27FC236}">
+                  <a16:creationId xmlns:a16="http://schemas.microsoft.com/office/drawing/2014/main" id="{504BB54A-2BAA-4763-A4E8-D1492DAE9F30}"/>
+                </a:ext>
+              </a:extLst>
+            </p:cNvPr>
+            <p:cNvSpPr/>
+            <p:nvPr/>
+          </p:nvSpPr>
+          <p:spPr>
+            <a:xfrm>
+              <a:off x="1523862" y="901273"/>
+              <a:ext cx="1364601" cy="440903"/>
+            </a:xfrm>
+            <a:prstGeom prst="roundRect">
+              <a:avLst/>
+            </a:prstGeom>
+          </p:spPr>
+          <p:style>
+            <a:lnRef idx="2">
+              <a:schemeClr val="accent1">
+                <a:shade val="50000"/>
+              </a:schemeClr>
+            </a:lnRef>
+            <a:fillRef idx="1">
+              <a:schemeClr val="accent1"/>
+            </a:fillRef>
+            <a:effectRef idx="0">
+              <a:schemeClr val="accent1"/>
+            </a:effectRef>
+            <a:fontRef idx="minor">
+              <a:schemeClr val="lt1"/>
+            </a:fontRef>
+          </p:style>
+          <p:txBody>
+            <a:bodyPr rtlCol="0" anchor="ctr"/>
+            <a:lstStyle/>
+            <a:p>
+              <a:pPr algn="ctr"/>
+              <a:r>
+                <a:rPr lang="zh-TW" altLang="en-US" dirty="0"/>
+                <a:t>等待</a:t>
+              </a:r>
+              <a:r>
+                <a:rPr lang="en-US" altLang="zh-TW" dirty="0"/>
+                <a:t>4</a:t>
+              </a:r>
+              <a:r>
+                <a:rPr lang="zh-TW" altLang="en-US" dirty="0"/>
+                <a:t>秒</a:t>
+              </a:r>
+            </a:p>
+          </p:txBody>
+        </p:sp>
+        <p:sp>
+          <p:nvSpPr>
+            <p:cNvPr id="28" name="矩形: 圓角 27">
+              <a:extLst>
+                <a:ext uri="{FF2B5EF4-FFF2-40B4-BE49-F238E27FC236}">
+                  <a16:creationId xmlns:a16="http://schemas.microsoft.com/office/drawing/2014/main" id="{5A533A48-C56D-4054-BD97-3DA6DB7D6D7D}"/>
+                </a:ext>
+              </a:extLst>
+            </p:cNvPr>
+            <p:cNvSpPr/>
+            <p:nvPr/>
+          </p:nvSpPr>
+          <p:spPr>
+            <a:xfrm>
+              <a:off x="1450195" y="5266750"/>
+              <a:ext cx="1511926" cy="603524"/>
+            </a:xfrm>
+            <a:prstGeom prst="roundRect">
+              <a:avLst/>
+            </a:prstGeom>
+          </p:spPr>
+          <p:style>
+            <a:lnRef idx="2">
+              <a:schemeClr val="accent1">
+                <a:shade val="50000"/>
+              </a:schemeClr>
+            </a:lnRef>
+            <a:fillRef idx="1">
+              <a:schemeClr val="accent1"/>
+            </a:fillRef>
+            <a:effectRef idx="0">
+              <a:schemeClr val="accent1"/>
+            </a:effectRef>
+            <a:fontRef idx="minor">
+              <a:schemeClr val="lt1"/>
+            </a:fontRef>
+          </p:style>
+          <p:txBody>
+            <a:bodyPr rtlCol="0" anchor="ctr"/>
+            <a:lstStyle/>
+            <a:p>
+              <a:pPr algn="ctr"/>
+              <a:r>
+                <a:rPr lang="zh-TW" altLang="en-US" sz="1400" dirty="0"/>
+                <a:t>根據中心點位置截圖</a:t>
+              </a:r>
+            </a:p>
+          </p:txBody>
+        </p:sp>
+        <p:cxnSp>
+          <p:nvCxnSpPr>
+            <p:cNvPr id="31" name="直線單箭頭接點 30">
+              <a:extLst>
+                <a:ext uri="{FF2B5EF4-FFF2-40B4-BE49-F238E27FC236}">
+                  <a16:creationId xmlns:a16="http://schemas.microsoft.com/office/drawing/2014/main" id="{FE116C39-A8C8-4E33-B692-E5D01B731402}"/>
+                </a:ext>
+              </a:extLst>
+            </p:cNvPr>
+            <p:cNvCxnSpPr>
+              <a:stCxn id="4" idx="4"/>
+              <a:endCxn id="22" idx="0"/>
+            </p:cNvCxnSpPr>
+            <p:nvPr/>
+          </p:nvCxnSpPr>
+          <p:spPr>
+            <a:xfrm>
+              <a:off x="2206163" y="716625"/>
+              <a:ext cx="0" cy="184648"/>
+            </a:xfrm>
+            <a:prstGeom prst="straightConnector1">
+              <a:avLst/>
+            </a:prstGeom>
+            <a:ln>
+              <a:tailEnd type="triangle"/>
+            </a:ln>
+          </p:spPr>
+          <p:style>
+            <a:lnRef idx="1">
+              <a:schemeClr val="accent1"/>
+            </a:lnRef>
+            <a:fillRef idx="0">
+              <a:schemeClr val="accent1"/>
+            </a:fillRef>
+            <a:effectRef idx="0">
+              <a:schemeClr val="accent1"/>
+            </a:effectRef>
+            <a:fontRef idx="minor">
+              <a:schemeClr val="tx1"/>
+            </a:fontRef>
+          </p:style>
+        </p:cxnSp>
+        <p:cxnSp>
+          <p:nvCxnSpPr>
+            <p:cNvPr id="33" name="直線單箭頭接點 32">
+              <a:extLst>
+                <a:ext uri="{FF2B5EF4-FFF2-40B4-BE49-F238E27FC236}">
+                  <a16:creationId xmlns:a16="http://schemas.microsoft.com/office/drawing/2014/main" id="{1C05E514-3D24-46CF-A892-57AB3DA0EB1A}"/>
+                </a:ext>
+              </a:extLst>
+            </p:cNvPr>
+            <p:cNvCxnSpPr>
+              <a:stCxn id="22" idx="2"/>
+              <a:endCxn id="7" idx="0"/>
+            </p:cNvCxnSpPr>
+            <p:nvPr/>
+          </p:nvCxnSpPr>
+          <p:spPr>
+            <a:xfrm flipH="1">
+              <a:off x="2206156" y="1342176"/>
+              <a:ext cx="7" cy="438119"/>
+            </a:xfrm>
+            <a:prstGeom prst="straightConnector1">
+              <a:avLst/>
+            </a:prstGeom>
+            <a:ln>
+              <a:tailEnd type="triangle"/>
+            </a:ln>
+          </p:spPr>
+          <p:style>
+            <a:lnRef idx="1">
+              <a:schemeClr val="accent1"/>
+            </a:lnRef>
+            <a:fillRef idx="0">
+              <a:schemeClr val="accent1"/>
+            </a:fillRef>
+            <a:effectRef idx="0">
+              <a:schemeClr val="accent1"/>
+            </a:effectRef>
+            <a:fontRef idx="minor">
+              <a:schemeClr val="tx1"/>
+            </a:fontRef>
+          </p:style>
+        </p:cxnSp>
+        <p:sp>
+          <p:nvSpPr>
+            <p:cNvPr id="58" name="流程圖: 決策 57">
+              <a:extLst>
+                <a:ext uri="{FF2B5EF4-FFF2-40B4-BE49-F238E27FC236}">
+                  <a16:creationId xmlns:a16="http://schemas.microsoft.com/office/drawing/2014/main" id="{97B53A25-A826-4546-9A9F-4F71CDC4A9BB}"/>
+                </a:ext>
+              </a:extLst>
+            </p:cNvPr>
+            <p:cNvSpPr/>
+            <p:nvPr/>
+          </p:nvSpPr>
+          <p:spPr>
+            <a:xfrm>
+              <a:off x="1450195" y="4079949"/>
+              <a:ext cx="1511931" cy="733331"/>
+            </a:xfrm>
+            <a:prstGeom prst="flowChartDecision">
+              <a:avLst/>
+            </a:prstGeom>
+          </p:spPr>
+          <p:style>
+            <a:lnRef idx="2">
+              <a:schemeClr val="accent1">
+                <a:shade val="50000"/>
+              </a:schemeClr>
+            </a:lnRef>
+            <a:fillRef idx="1">
+              <a:schemeClr val="accent1"/>
+            </a:fillRef>
+            <a:effectRef idx="0">
+              <a:schemeClr val="accent1"/>
+            </a:effectRef>
+            <a:fontRef idx="minor">
+              <a:schemeClr val="lt1"/>
+            </a:fontRef>
+          </p:style>
+          <p:txBody>
+            <a:bodyPr rtlCol="0" anchor="ctr"/>
+            <a:lstStyle/>
+            <a:p>
+              <a:pPr algn="ctr"/>
+              <a:r>
+                <a:rPr lang="zh-TW" altLang="en-US" sz="1200" dirty="0"/>
+                <a:t>是否按下右鍵</a:t>
+              </a:r>
+            </a:p>
+          </p:txBody>
+        </p:sp>
+        <p:cxnSp>
+          <p:nvCxnSpPr>
+            <p:cNvPr id="59" name="接點: 肘形 58">
+              <a:extLst>
+                <a:ext uri="{FF2B5EF4-FFF2-40B4-BE49-F238E27FC236}">
+                  <a16:creationId xmlns:a16="http://schemas.microsoft.com/office/drawing/2014/main" id="{40CFE795-A7AD-4DA1-A73B-54F66C8A7D23}"/>
+                </a:ext>
+              </a:extLst>
+            </p:cNvPr>
+            <p:cNvCxnSpPr>
+              <a:cxnSpLocks/>
+              <a:stCxn id="58" idx="3"/>
+            </p:cNvCxnSpPr>
+            <p:nvPr/>
+          </p:nvCxnSpPr>
+          <p:spPr>
+            <a:xfrm flipH="1" flipV="1">
+              <a:off x="2182112" y="3831387"/>
+              <a:ext cx="780014" cy="615228"/>
+            </a:xfrm>
+            <a:prstGeom prst="bentConnector3">
+              <a:avLst>
+                <a:gd name="adj1" fmla="val -29307"/>
+              </a:avLst>
+            </a:prstGeom>
+            <a:ln>
+              <a:solidFill>
+                <a:srgbClr val="FF0000"/>
+              </a:solidFill>
+              <a:tailEnd type="triangle"/>
+            </a:ln>
+          </p:spPr>
+          <p:style>
+            <a:lnRef idx="1">
+              <a:schemeClr val="accent1"/>
+            </a:lnRef>
+            <a:fillRef idx="0">
+              <a:schemeClr val="accent1"/>
+            </a:fillRef>
+            <a:effectRef idx="0">
+              <a:schemeClr val="accent1"/>
+            </a:effectRef>
+            <a:fontRef idx="minor">
+              <a:schemeClr val="tx1"/>
+            </a:fontRef>
+          </p:style>
+        </p:cxnSp>
+        <p:cxnSp>
+          <p:nvCxnSpPr>
+            <p:cNvPr id="62" name="直線單箭頭接點 61">
+              <a:extLst>
+                <a:ext uri="{FF2B5EF4-FFF2-40B4-BE49-F238E27FC236}">
+                  <a16:creationId xmlns:a16="http://schemas.microsoft.com/office/drawing/2014/main" id="{4D706DBF-4B59-477F-A3C1-33A79E600948}"/>
+                </a:ext>
+              </a:extLst>
+            </p:cNvPr>
+            <p:cNvCxnSpPr>
+              <a:stCxn id="15" idx="2"/>
+              <a:endCxn id="58" idx="0"/>
+            </p:cNvCxnSpPr>
+            <p:nvPr/>
+          </p:nvCxnSpPr>
+          <p:spPr>
+            <a:xfrm>
+              <a:off x="2206158" y="3335252"/>
+              <a:ext cx="3" cy="744697"/>
+            </a:xfrm>
+            <a:prstGeom prst="straightConnector1">
+              <a:avLst/>
+            </a:prstGeom>
+            <a:ln>
+              <a:tailEnd type="triangle"/>
+            </a:ln>
+          </p:spPr>
+          <p:style>
+            <a:lnRef idx="1">
+              <a:schemeClr val="accent1"/>
+            </a:lnRef>
+            <a:fillRef idx="0">
+              <a:schemeClr val="accent1"/>
+            </a:fillRef>
+            <a:effectRef idx="0">
+              <a:schemeClr val="accent1"/>
+            </a:effectRef>
+            <a:fontRef idx="minor">
+              <a:schemeClr val="tx1"/>
+            </a:fontRef>
+          </p:style>
+        </p:cxnSp>
+        <p:cxnSp>
+          <p:nvCxnSpPr>
+            <p:cNvPr id="64" name="直線單箭頭接點 63">
+              <a:extLst>
+                <a:ext uri="{FF2B5EF4-FFF2-40B4-BE49-F238E27FC236}">
+                  <a16:creationId xmlns:a16="http://schemas.microsoft.com/office/drawing/2014/main" id="{8CF497E1-0952-4431-923F-46A68F1AADA7}"/>
+                </a:ext>
+              </a:extLst>
+            </p:cNvPr>
+            <p:cNvCxnSpPr>
+              <a:stCxn id="58" idx="2"/>
+              <a:endCxn id="28" idx="0"/>
+            </p:cNvCxnSpPr>
+            <p:nvPr/>
+          </p:nvCxnSpPr>
+          <p:spPr>
+            <a:xfrm flipH="1">
+              <a:off x="2206158" y="4813280"/>
+              <a:ext cx="3" cy="453470"/>
+            </a:xfrm>
+            <a:prstGeom prst="straightConnector1">
+              <a:avLst/>
+            </a:prstGeom>
+            <a:ln>
+              <a:tailEnd type="triangle"/>
+            </a:ln>
+          </p:spPr>
+          <p:style>
+            <a:lnRef idx="1">
+              <a:schemeClr val="accent1"/>
+            </a:lnRef>
+            <a:fillRef idx="0">
+              <a:schemeClr val="accent1"/>
+            </a:fillRef>
+            <a:effectRef idx="0">
+              <a:schemeClr val="accent1"/>
+            </a:effectRef>
+            <a:fontRef idx="minor">
+              <a:schemeClr val="tx1"/>
+            </a:fontRef>
+          </p:style>
+        </p:cxnSp>
+        <p:sp>
+          <p:nvSpPr>
+            <p:cNvPr id="66" name="矩形: 圓角 65">
+              <a:extLst>
+                <a:ext uri="{FF2B5EF4-FFF2-40B4-BE49-F238E27FC236}">
+                  <a16:creationId xmlns:a16="http://schemas.microsoft.com/office/drawing/2014/main" id="{73552FB6-8DA4-496C-A5F9-20CC531739F5}"/>
+                </a:ext>
+              </a:extLst>
+            </p:cNvPr>
+            <p:cNvSpPr/>
+            <p:nvPr/>
+          </p:nvSpPr>
+          <p:spPr>
+            <a:xfrm>
+              <a:off x="4127144" y="445021"/>
+              <a:ext cx="1511926" cy="603524"/>
+            </a:xfrm>
+            <a:prstGeom prst="roundRect">
+              <a:avLst/>
+            </a:prstGeom>
+          </p:spPr>
+          <p:style>
+            <a:lnRef idx="2">
+              <a:schemeClr val="accent1">
+                <a:shade val="50000"/>
+              </a:schemeClr>
+            </a:lnRef>
+            <a:fillRef idx="1">
+              <a:schemeClr val="accent1"/>
+            </a:fillRef>
+            <a:effectRef idx="0">
+              <a:schemeClr val="accent1"/>
+            </a:effectRef>
+            <a:fontRef idx="minor">
+              <a:schemeClr val="lt1"/>
+            </a:fontRef>
+          </p:style>
+          <p:txBody>
+            <a:bodyPr rtlCol="0" anchor="ctr"/>
+            <a:lstStyle/>
+            <a:p>
+              <a:pPr algn="ctr"/>
+              <a:r>
+                <a:rPr lang="zh-TW" altLang="en-US" sz="1400" dirty="0"/>
+                <a:t>進行骨架辨識</a:t>
+              </a:r>
+            </a:p>
+          </p:txBody>
+        </p:sp>
+        <p:sp>
+          <p:nvSpPr>
+            <p:cNvPr id="67" name="流程圖: 決策 66">
+              <a:extLst>
+                <a:ext uri="{FF2B5EF4-FFF2-40B4-BE49-F238E27FC236}">
+                  <a16:creationId xmlns:a16="http://schemas.microsoft.com/office/drawing/2014/main" id="{2793D1B4-7B92-4C16-BA1B-45423C8E7F37}"/>
+                </a:ext>
+              </a:extLst>
+            </p:cNvPr>
+            <p:cNvSpPr/>
+            <p:nvPr/>
+          </p:nvSpPr>
+          <p:spPr>
+            <a:xfrm>
+              <a:off x="4039354" y="1780295"/>
+              <a:ext cx="1626710" cy="733331"/>
+            </a:xfrm>
+            <a:prstGeom prst="flowChartDecision">
+              <a:avLst/>
+            </a:prstGeom>
+          </p:spPr>
+          <p:style>
+            <a:lnRef idx="2">
+              <a:schemeClr val="accent1">
+                <a:shade val="50000"/>
+              </a:schemeClr>
+            </a:lnRef>
+            <a:fillRef idx="1">
+              <a:schemeClr val="accent1"/>
+            </a:fillRef>
+            <a:effectRef idx="0">
+              <a:schemeClr val="accent1"/>
+            </a:effectRef>
+            <a:fontRef idx="minor">
+              <a:schemeClr val="lt1"/>
+            </a:fontRef>
+          </p:style>
+          <p:txBody>
+            <a:bodyPr rtlCol="0" anchor="ctr"/>
+            <a:lstStyle/>
+            <a:p>
+              <a:pPr algn="ctr"/>
+              <a:r>
+                <a:rPr lang="zh-TW" altLang="en-US" sz="1200" dirty="0"/>
+                <a:t>是否有辨識到骨架</a:t>
+              </a:r>
+            </a:p>
+          </p:txBody>
+        </p:sp>
+        <p:cxnSp>
+          <p:nvCxnSpPr>
+            <p:cNvPr id="74" name="接點: 肘形 73">
+              <a:extLst>
+                <a:ext uri="{FF2B5EF4-FFF2-40B4-BE49-F238E27FC236}">
+                  <a16:creationId xmlns:a16="http://schemas.microsoft.com/office/drawing/2014/main" id="{B6F15A7E-703C-4986-B4B4-0886E57D86AD}"/>
+                </a:ext>
+              </a:extLst>
+            </p:cNvPr>
+            <p:cNvCxnSpPr>
+              <a:cxnSpLocks/>
+              <a:stCxn id="67" idx="2"/>
+              <a:endCxn id="75" idx="0"/>
+            </p:cNvCxnSpPr>
+            <p:nvPr/>
+          </p:nvCxnSpPr>
+          <p:spPr>
+            <a:xfrm rot="16200000" flipH="1">
+              <a:off x="4478245" y="2888089"/>
+              <a:ext cx="763538" cy="14611"/>
+            </a:xfrm>
+            <a:prstGeom prst="bentConnector3">
+              <a:avLst>
+                <a:gd name="adj1" fmla="val 50000"/>
+              </a:avLst>
+            </a:prstGeom>
+            <a:ln>
+              <a:tailEnd type="triangle"/>
+            </a:ln>
+          </p:spPr>
+          <p:style>
+            <a:lnRef idx="1">
+              <a:schemeClr val="accent1"/>
+            </a:lnRef>
+            <a:fillRef idx="0">
+              <a:schemeClr val="accent1"/>
+            </a:fillRef>
+            <a:effectRef idx="0">
+              <a:schemeClr val="accent1"/>
+            </a:effectRef>
+            <a:fontRef idx="minor">
+              <a:schemeClr val="tx1"/>
+            </a:fontRef>
+          </p:style>
+        </p:cxnSp>
+        <p:sp>
+          <p:nvSpPr>
+            <p:cNvPr id="75" name="流程圖: 決策 74">
+              <a:extLst>
+                <a:ext uri="{FF2B5EF4-FFF2-40B4-BE49-F238E27FC236}">
+                  <a16:creationId xmlns:a16="http://schemas.microsoft.com/office/drawing/2014/main" id="{3C5935FD-84B0-4CC5-8C95-D852CFC1BC12}"/>
+                </a:ext>
+              </a:extLst>
+            </p:cNvPr>
+            <p:cNvSpPr/>
+            <p:nvPr/>
+          </p:nvSpPr>
+          <p:spPr>
+            <a:xfrm>
+              <a:off x="3850855" y="3277164"/>
+              <a:ext cx="2032930" cy="747090"/>
+            </a:xfrm>
+            <a:prstGeom prst="flowChartDecision">
+              <a:avLst/>
+            </a:prstGeom>
+          </p:spPr>
+          <p:style>
+            <a:lnRef idx="2">
+              <a:schemeClr val="accent1">
+                <a:shade val="50000"/>
+              </a:schemeClr>
+            </a:lnRef>
+            <a:fillRef idx="1">
+              <a:schemeClr val="accent1"/>
+            </a:fillRef>
+            <a:effectRef idx="0">
+              <a:schemeClr val="accent1"/>
+            </a:effectRef>
+            <a:fontRef idx="minor">
+              <a:schemeClr val="lt1"/>
+            </a:fontRef>
+          </p:style>
+          <p:txBody>
+            <a:bodyPr rtlCol="0" anchor="ctr"/>
+            <a:lstStyle/>
+            <a:p>
+              <a:pPr algn="ctr"/>
+              <a:r>
+                <a:rPr lang="zh-TW" altLang="en-US" sz="1600" dirty="0"/>
+                <a:t>是否為有效物件</a:t>
+              </a:r>
+            </a:p>
+          </p:txBody>
+        </p:sp>
+        <p:cxnSp>
+          <p:nvCxnSpPr>
+            <p:cNvPr id="77" name="直線單箭頭接點 76">
+              <a:extLst>
+                <a:ext uri="{FF2B5EF4-FFF2-40B4-BE49-F238E27FC236}">
+                  <a16:creationId xmlns:a16="http://schemas.microsoft.com/office/drawing/2014/main" id="{053762AE-EE2E-4776-9834-345C2089E00B}"/>
+                </a:ext>
+              </a:extLst>
+            </p:cNvPr>
+            <p:cNvCxnSpPr>
+              <a:cxnSpLocks/>
+              <a:stCxn id="75" idx="2"/>
+            </p:cNvCxnSpPr>
+            <p:nvPr/>
+          </p:nvCxnSpPr>
+          <p:spPr>
+            <a:xfrm>
+              <a:off x="4867320" y="4024254"/>
+              <a:ext cx="0" cy="605922"/>
+            </a:xfrm>
+            <a:prstGeom prst="straightConnector1">
+              <a:avLst/>
+            </a:prstGeom>
+            <a:ln>
+              <a:tailEnd type="triangle"/>
+            </a:ln>
+          </p:spPr>
+          <p:style>
+            <a:lnRef idx="1">
+              <a:schemeClr val="accent1"/>
+            </a:lnRef>
+            <a:fillRef idx="0">
+              <a:schemeClr val="accent1"/>
+            </a:fillRef>
+            <a:effectRef idx="0">
+              <a:schemeClr val="accent1"/>
+            </a:effectRef>
+            <a:fontRef idx="minor">
+              <a:schemeClr val="tx1"/>
+            </a:fontRef>
+          </p:style>
+        </p:cxnSp>
+        <p:sp>
+          <p:nvSpPr>
+            <p:cNvPr id="79" name="流程圖: 決策 78">
+              <a:extLst>
+                <a:ext uri="{FF2B5EF4-FFF2-40B4-BE49-F238E27FC236}">
+                  <a16:creationId xmlns:a16="http://schemas.microsoft.com/office/drawing/2014/main" id="{555E54F8-FA02-48E1-AB44-EECAF05D36F0}"/>
+                </a:ext>
+              </a:extLst>
+            </p:cNvPr>
+            <p:cNvSpPr/>
+            <p:nvPr/>
+          </p:nvSpPr>
+          <p:spPr>
+            <a:xfrm>
+              <a:off x="3850910" y="4618678"/>
+              <a:ext cx="2032930" cy="747090"/>
+            </a:xfrm>
+            <a:prstGeom prst="flowChartDecision">
+              <a:avLst/>
+            </a:prstGeom>
+          </p:spPr>
+          <p:style>
+            <a:lnRef idx="2">
+              <a:schemeClr val="accent1">
+                <a:shade val="50000"/>
+              </a:schemeClr>
+            </a:lnRef>
+            <a:fillRef idx="1">
+              <a:schemeClr val="accent1"/>
+            </a:fillRef>
+            <a:effectRef idx="0">
+              <a:schemeClr val="accent1"/>
+            </a:effectRef>
+            <a:fontRef idx="minor">
+              <a:schemeClr val="lt1"/>
+            </a:fontRef>
+          </p:style>
+          <p:txBody>
+            <a:bodyPr rtlCol="0" anchor="ctr"/>
+            <a:lstStyle/>
+            <a:p>
+              <a:pPr algn="ctr"/>
+              <a:r>
+                <a:rPr lang="zh-TW" altLang="en-US" dirty="0"/>
+                <a:t>是否為敵人</a:t>
+              </a:r>
+            </a:p>
+          </p:txBody>
+        </p:sp>
+        <p:sp>
+          <p:nvSpPr>
+            <p:cNvPr id="80" name="矩形: 圓角 79">
+              <a:extLst>
+                <a:ext uri="{FF2B5EF4-FFF2-40B4-BE49-F238E27FC236}">
+                  <a16:creationId xmlns:a16="http://schemas.microsoft.com/office/drawing/2014/main" id="{8BC95E80-3EC4-4793-804A-C666393709F7}"/>
+                </a:ext>
+              </a:extLst>
+            </p:cNvPr>
+            <p:cNvSpPr/>
+            <p:nvPr/>
+          </p:nvSpPr>
+          <p:spPr>
+            <a:xfrm>
+              <a:off x="3996629" y="5743450"/>
+              <a:ext cx="1741491" cy="733331"/>
+            </a:xfrm>
+            <a:prstGeom prst="roundRect">
+              <a:avLst/>
+            </a:prstGeom>
+          </p:spPr>
+          <p:style>
+            <a:lnRef idx="2">
+              <a:schemeClr val="accent1">
+                <a:shade val="50000"/>
+              </a:schemeClr>
+            </a:lnRef>
+            <a:fillRef idx="1">
+              <a:schemeClr val="accent1"/>
+            </a:fillRef>
+            <a:effectRef idx="0">
+              <a:schemeClr val="accent1"/>
+            </a:effectRef>
+            <a:fontRef idx="minor">
+              <a:schemeClr val="lt1"/>
+            </a:fontRef>
+          </p:style>
+          <p:txBody>
+            <a:bodyPr rtlCol="0" anchor="ctr"/>
+            <a:lstStyle/>
+            <a:p>
+              <a:pPr algn="ctr"/>
+              <a:r>
+                <a:rPr lang="zh-TW" altLang="en-US" dirty="0"/>
+                <a:t>移動游標</a:t>
+              </a:r>
+            </a:p>
+          </p:txBody>
+        </p:sp>
+        <p:cxnSp>
+          <p:nvCxnSpPr>
+            <p:cNvPr id="82" name="直線單箭頭接點 81">
+              <a:extLst>
+                <a:ext uri="{FF2B5EF4-FFF2-40B4-BE49-F238E27FC236}">
+                  <a16:creationId xmlns:a16="http://schemas.microsoft.com/office/drawing/2014/main" id="{0821B8D1-A9EA-4801-B076-F443F8837B28}"/>
+                </a:ext>
+              </a:extLst>
+            </p:cNvPr>
+            <p:cNvCxnSpPr>
+              <a:cxnSpLocks/>
+              <a:stCxn id="79" idx="2"/>
+              <a:endCxn id="80" idx="0"/>
+            </p:cNvCxnSpPr>
+            <p:nvPr/>
+          </p:nvCxnSpPr>
+          <p:spPr>
+            <a:xfrm>
+              <a:off x="4867375" y="5365768"/>
+              <a:ext cx="0" cy="377682"/>
+            </a:xfrm>
+            <a:prstGeom prst="straightConnector1">
+              <a:avLst/>
+            </a:prstGeom>
+            <a:ln>
+              <a:tailEnd type="triangle"/>
+            </a:ln>
+          </p:spPr>
+          <p:style>
+            <a:lnRef idx="1">
+              <a:schemeClr val="accent1"/>
+            </a:lnRef>
+            <a:fillRef idx="0">
+              <a:schemeClr val="accent1"/>
+            </a:fillRef>
+            <a:effectRef idx="0">
+              <a:schemeClr val="accent1"/>
+            </a:effectRef>
+            <a:fontRef idx="minor">
+              <a:schemeClr val="tx1"/>
+            </a:fontRef>
+          </p:style>
+        </p:cxnSp>
+        <p:cxnSp>
+          <p:nvCxnSpPr>
+            <p:cNvPr id="86" name="直線單箭頭接點 85">
+              <a:extLst>
+                <a:ext uri="{FF2B5EF4-FFF2-40B4-BE49-F238E27FC236}">
+                  <a16:creationId xmlns:a16="http://schemas.microsoft.com/office/drawing/2014/main" id="{913B0AFB-77BC-4944-8B48-095D2C9C0AFC}"/>
+                </a:ext>
+              </a:extLst>
+            </p:cNvPr>
+            <p:cNvCxnSpPr>
+              <a:cxnSpLocks/>
+              <a:stCxn id="75" idx="3"/>
+              <a:endCxn id="88" idx="1"/>
+            </p:cNvCxnSpPr>
+            <p:nvPr/>
+          </p:nvCxnSpPr>
+          <p:spPr>
+            <a:xfrm>
+              <a:off x="5883785" y="3650709"/>
+              <a:ext cx="452285" cy="0"/>
+            </a:xfrm>
+            <a:prstGeom prst="straightConnector1">
+              <a:avLst/>
+            </a:prstGeom>
+            <a:ln>
+              <a:tailEnd type="triangle"/>
+            </a:ln>
+          </p:spPr>
+          <p:style>
+            <a:lnRef idx="1">
+              <a:schemeClr val="accent1"/>
+            </a:lnRef>
+            <a:fillRef idx="0">
+              <a:schemeClr val="accent1"/>
+            </a:fillRef>
+            <a:effectRef idx="0">
+              <a:schemeClr val="accent1"/>
+            </a:effectRef>
+            <a:fontRef idx="minor">
+              <a:schemeClr val="tx1"/>
+            </a:fontRef>
+          </p:style>
+        </p:cxnSp>
+        <p:sp>
+          <p:nvSpPr>
+            <p:cNvPr id="88" name="矩形: 圓角 87">
+              <a:extLst>
+                <a:ext uri="{FF2B5EF4-FFF2-40B4-BE49-F238E27FC236}">
+                  <a16:creationId xmlns:a16="http://schemas.microsoft.com/office/drawing/2014/main" id="{BA35D2A5-AE63-4430-8329-38ADF5700758}"/>
+                </a:ext>
+              </a:extLst>
+            </p:cNvPr>
+            <p:cNvSpPr/>
+            <p:nvPr/>
+          </p:nvSpPr>
+          <p:spPr>
+            <a:xfrm>
+              <a:off x="6336070" y="3277164"/>
+              <a:ext cx="1594913" cy="747090"/>
+            </a:xfrm>
+            <a:prstGeom prst="roundRect">
+              <a:avLst/>
+            </a:prstGeom>
+          </p:spPr>
+          <p:style>
+            <a:lnRef idx="2">
+              <a:schemeClr val="accent1">
+                <a:shade val="50000"/>
+              </a:schemeClr>
+            </a:lnRef>
+            <a:fillRef idx="1">
+              <a:schemeClr val="accent1"/>
+            </a:fillRef>
+            <a:effectRef idx="0">
+              <a:schemeClr val="accent1"/>
+            </a:effectRef>
+            <a:fontRef idx="minor">
+              <a:schemeClr val="lt1"/>
+            </a:fontRef>
+          </p:style>
+          <p:txBody>
+            <a:bodyPr rtlCol="0" anchor="ctr"/>
+            <a:lstStyle/>
+            <a:p>
+              <a:pPr algn="ctr"/>
+              <a:r>
+                <a:rPr lang="zh-TW" altLang="en-US" dirty="0"/>
+                <a:t>該區塊塗白</a:t>
+              </a:r>
+            </a:p>
+          </p:txBody>
+        </p:sp>
+        <p:cxnSp>
+          <p:nvCxnSpPr>
+            <p:cNvPr id="133" name="接點: 肘形 132">
+              <a:extLst>
+                <a:ext uri="{FF2B5EF4-FFF2-40B4-BE49-F238E27FC236}">
+                  <a16:creationId xmlns:a16="http://schemas.microsoft.com/office/drawing/2014/main" id="{8EE10605-E057-464B-894C-9ACDBFF1235D}"/>
+                </a:ext>
+              </a:extLst>
+            </p:cNvPr>
+            <p:cNvCxnSpPr>
+              <a:cxnSpLocks/>
+            </p:cNvCxnSpPr>
+            <p:nvPr/>
+          </p:nvCxnSpPr>
+          <p:spPr>
+            <a:xfrm rot="10800000" flipV="1">
+              <a:off x="2206155" y="3534322"/>
+              <a:ext cx="1192463" cy="231049"/>
+            </a:xfrm>
+            <a:prstGeom prst="bentConnector2">
+              <a:avLst/>
+            </a:prstGeom>
+            <a:ln>
+              <a:solidFill>
+                <a:srgbClr val="FF0000"/>
+              </a:solidFill>
+              <a:tailEnd type="triangle"/>
+            </a:ln>
+          </p:spPr>
+          <p:style>
+            <a:lnRef idx="1">
+              <a:schemeClr val="accent1"/>
+            </a:lnRef>
+            <a:fillRef idx="0">
+              <a:schemeClr val="accent1"/>
+            </a:fillRef>
+            <a:effectRef idx="0">
+              <a:schemeClr val="accent1"/>
+            </a:effectRef>
+            <a:fontRef idx="minor">
+              <a:schemeClr val="tx1"/>
+            </a:fontRef>
+          </p:style>
+        </p:cxnSp>
+        <p:cxnSp>
+          <p:nvCxnSpPr>
+            <p:cNvPr id="136" name="接點: 肘形 135">
+              <a:extLst>
+                <a:ext uri="{FF2B5EF4-FFF2-40B4-BE49-F238E27FC236}">
+                  <a16:creationId xmlns:a16="http://schemas.microsoft.com/office/drawing/2014/main" id="{9D9A25CA-7D7A-43F0-B7BD-50DDE4CD9CF4}"/>
+                </a:ext>
+              </a:extLst>
+            </p:cNvPr>
+            <p:cNvCxnSpPr>
+              <a:cxnSpLocks/>
+            </p:cNvCxnSpPr>
+            <p:nvPr/>
+          </p:nvCxnSpPr>
+          <p:spPr>
+            <a:xfrm flipH="1" flipV="1">
+              <a:off x="3398619" y="3428128"/>
+              <a:ext cx="2339501" cy="2681179"/>
+            </a:xfrm>
+            <a:prstGeom prst="bentConnector4">
+              <a:avLst>
+                <a:gd name="adj1" fmla="val -164968"/>
+                <a:gd name="adj2" fmla="val 223452"/>
+              </a:avLst>
+            </a:prstGeom>
+            <a:ln>
+              <a:solidFill>
+                <a:srgbClr val="FF0000"/>
+              </a:solidFill>
+            </a:ln>
+          </p:spPr>
+          <p:style>
+            <a:lnRef idx="1">
+              <a:schemeClr val="accent1"/>
+            </a:lnRef>
+            <a:fillRef idx="0">
+              <a:schemeClr val="accent1"/>
+            </a:fillRef>
+            <a:effectRef idx="0">
+              <a:schemeClr val="accent1"/>
+            </a:effectRef>
+            <a:fontRef idx="minor">
+              <a:schemeClr val="tx1"/>
+            </a:fontRef>
+          </p:style>
+        </p:cxnSp>
+        <p:cxnSp>
+          <p:nvCxnSpPr>
+            <p:cNvPr id="153" name="接點: 肘形 152">
+              <a:extLst>
+                <a:ext uri="{FF2B5EF4-FFF2-40B4-BE49-F238E27FC236}">
+                  <a16:creationId xmlns:a16="http://schemas.microsoft.com/office/drawing/2014/main" id="{ED7ACADD-D126-4A12-AFF6-7C1658926B7C}"/>
+                </a:ext>
+              </a:extLst>
+            </p:cNvPr>
+            <p:cNvCxnSpPr>
+              <a:stCxn id="28" idx="2"/>
+              <a:endCxn id="66" idx="0"/>
+            </p:cNvCxnSpPr>
+            <p:nvPr/>
+          </p:nvCxnSpPr>
+          <p:spPr>
+            <a:xfrm rot="5400000" flipH="1" flipV="1">
+              <a:off x="832005" y="1819173"/>
+              <a:ext cx="5425253" cy="2676949"/>
+            </a:xfrm>
+            <a:prstGeom prst="bentConnector5">
+              <a:avLst>
+                <a:gd name="adj1" fmla="val -4214"/>
+                <a:gd name="adj2" fmla="val 50000"/>
+                <a:gd name="adj3" fmla="val 104214"/>
+              </a:avLst>
+            </a:prstGeom>
+            <a:ln>
+              <a:tailEnd type="triangle"/>
+            </a:ln>
+          </p:spPr>
+          <p:style>
+            <a:lnRef idx="1">
+              <a:schemeClr val="accent1"/>
+            </a:lnRef>
+            <a:fillRef idx="0">
+              <a:schemeClr val="accent1"/>
+            </a:fillRef>
+            <a:effectRef idx="0">
+              <a:schemeClr val="accent1"/>
+            </a:effectRef>
+            <a:fontRef idx="minor">
+              <a:schemeClr val="tx1"/>
+            </a:fontRef>
+          </p:style>
+        </p:cxnSp>
+        <p:cxnSp>
+          <p:nvCxnSpPr>
+            <p:cNvPr id="155" name="直線單箭頭接點 154">
+              <a:extLst>
+                <a:ext uri="{FF2B5EF4-FFF2-40B4-BE49-F238E27FC236}">
+                  <a16:creationId xmlns:a16="http://schemas.microsoft.com/office/drawing/2014/main" id="{0AE3067F-D8F1-4EDA-B039-CEBF4BE0C821}"/>
+                </a:ext>
+              </a:extLst>
+            </p:cNvPr>
+            <p:cNvCxnSpPr>
+              <a:cxnSpLocks/>
+              <a:stCxn id="66" idx="2"/>
+              <a:endCxn id="67" idx="0"/>
+            </p:cNvCxnSpPr>
+            <p:nvPr/>
+          </p:nvCxnSpPr>
+          <p:spPr>
+            <a:xfrm flipH="1">
+              <a:off x="4852709" y="1048545"/>
+              <a:ext cx="30398" cy="731750"/>
+            </a:xfrm>
+            <a:prstGeom prst="straightConnector1">
+              <a:avLst/>
+            </a:prstGeom>
+            <a:ln>
+              <a:tailEnd type="triangle"/>
+            </a:ln>
+          </p:spPr>
+          <p:style>
+            <a:lnRef idx="1">
+              <a:schemeClr val="accent1"/>
+            </a:lnRef>
+            <a:fillRef idx="0">
+              <a:schemeClr val="accent1"/>
+            </a:fillRef>
+            <a:effectRef idx="0">
+              <a:schemeClr val="accent1"/>
+            </a:effectRef>
+            <a:fontRef idx="minor">
+              <a:schemeClr val="tx1"/>
+            </a:fontRef>
+          </p:style>
+        </p:cxnSp>
+        <p:cxnSp>
+          <p:nvCxnSpPr>
+            <p:cNvPr id="157" name="接點: 肘形 156">
+              <a:extLst>
+                <a:ext uri="{FF2B5EF4-FFF2-40B4-BE49-F238E27FC236}">
+                  <a16:creationId xmlns:a16="http://schemas.microsoft.com/office/drawing/2014/main" id="{83248B09-5243-4171-BE7A-62E3BA3B0C89}"/>
+                </a:ext>
+              </a:extLst>
+            </p:cNvPr>
+            <p:cNvCxnSpPr>
+              <a:cxnSpLocks/>
+              <a:stCxn id="67" idx="3"/>
+            </p:cNvCxnSpPr>
+            <p:nvPr/>
+          </p:nvCxnSpPr>
+          <p:spPr>
+            <a:xfrm flipV="1">
+              <a:off x="5666064" y="173575"/>
+              <a:ext cx="605852" cy="1973386"/>
+            </a:xfrm>
+            <a:prstGeom prst="bentConnector2">
+              <a:avLst/>
+            </a:prstGeom>
+            <a:ln>
+              <a:solidFill>
+                <a:srgbClr val="FF0000"/>
+              </a:solidFill>
+            </a:ln>
+          </p:spPr>
+          <p:style>
+            <a:lnRef idx="1">
+              <a:schemeClr val="accent1"/>
+            </a:lnRef>
+            <a:fillRef idx="0">
+              <a:schemeClr val="accent1"/>
+            </a:fillRef>
+            <a:effectRef idx="0">
+              <a:schemeClr val="accent1"/>
+            </a:effectRef>
+            <a:fontRef idx="minor">
+              <a:schemeClr val="tx1"/>
+            </a:fontRef>
+          </p:style>
+        </p:cxnSp>
+        <p:cxnSp>
+          <p:nvCxnSpPr>
+            <p:cNvPr id="161" name="接點: 肘形 160">
+              <a:extLst>
+                <a:ext uri="{FF2B5EF4-FFF2-40B4-BE49-F238E27FC236}">
+                  <a16:creationId xmlns:a16="http://schemas.microsoft.com/office/drawing/2014/main" id="{2F5FB3BE-7233-409B-AF4F-6E95ED340873}"/>
+                </a:ext>
+              </a:extLst>
+            </p:cNvPr>
+            <p:cNvCxnSpPr>
+              <a:stCxn id="79" idx="3"/>
+              <a:endCxn id="88" idx="2"/>
+            </p:cNvCxnSpPr>
+            <p:nvPr/>
+          </p:nvCxnSpPr>
+          <p:spPr>
+            <a:xfrm flipV="1">
+              <a:off x="5883840" y="4024254"/>
+              <a:ext cx="1249687" cy="967969"/>
+            </a:xfrm>
+            <a:prstGeom prst="bentConnector2">
+              <a:avLst/>
+            </a:prstGeom>
+            <a:ln>
+              <a:tailEnd type="triangle"/>
+            </a:ln>
+          </p:spPr>
+          <p:style>
+            <a:lnRef idx="1">
+              <a:schemeClr val="accent1"/>
+            </a:lnRef>
+            <a:fillRef idx="0">
+              <a:schemeClr val="accent1"/>
+            </a:fillRef>
+            <a:effectRef idx="0">
+              <a:schemeClr val="accent1"/>
+            </a:effectRef>
+            <a:fontRef idx="minor">
+              <a:schemeClr val="tx1"/>
+            </a:fontRef>
+          </p:style>
+        </p:cxnSp>
+        <p:cxnSp>
+          <p:nvCxnSpPr>
+            <p:cNvPr id="163" name="接點: 肘形 162">
+              <a:extLst>
+                <a:ext uri="{FF2B5EF4-FFF2-40B4-BE49-F238E27FC236}">
+                  <a16:creationId xmlns:a16="http://schemas.microsoft.com/office/drawing/2014/main" id="{E219BF48-FF2F-4199-B88F-BFCA67F59386}"/>
+                </a:ext>
+              </a:extLst>
+            </p:cNvPr>
+            <p:cNvCxnSpPr>
+              <a:stCxn id="88" idx="0"/>
+              <a:endCxn id="66" idx="0"/>
+            </p:cNvCxnSpPr>
+            <p:nvPr/>
+          </p:nvCxnSpPr>
+          <p:spPr>
+            <a:xfrm rot="16200000" flipV="1">
+              <a:off x="4592246" y="735883"/>
+              <a:ext cx="2832143" cy="2250420"/>
+            </a:xfrm>
+            <a:prstGeom prst="bentConnector3">
+              <a:avLst>
+                <a:gd name="adj1" fmla="val 108072"/>
+              </a:avLst>
+            </a:prstGeom>
+            <a:ln>
+              <a:tailEnd type="triangle"/>
+            </a:ln>
+          </p:spPr>
+          <p:style>
+            <a:lnRef idx="1">
+              <a:schemeClr val="accent1"/>
+            </a:lnRef>
+            <a:fillRef idx="0">
+              <a:schemeClr val="accent1"/>
+            </a:fillRef>
+            <a:effectRef idx="0">
+              <a:schemeClr val="accent1"/>
+            </a:effectRef>
+            <a:fontRef idx="minor">
+              <a:schemeClr val="tx1"/>
+            </a:fontRef>
+          </p:style>
+        </p:cxnSp>
+        <p:sp>
+          <p:nvSpPr>
+            <p:cNvPr id="49" name="矩形 48">
+              <a:extLst>
+                <a:ext uri="{FF2B5EF4-FFF2-40B4-BE49-F238E27FC236}">
+                  <a16:creationId xmlns:a16="http://schemas.microsoft.com/office/drawing/2014/main" id="{EEECA097-F8DC-4F63-A351-555D4AC96F58}"/>
+                </a:ext>
+              </a:extLst>
+            </p:cNvPr>
+            <p:cNvSpPr/>
+            <p:nvPr/>
+          </p:nvSpPr>
+          <p:spPr>
+            <a:xfrm>
+              <a:off x="1836698" y="1406390"/>
+              <a:ext cx="351833" cy="307777"/>
+            </a:xfrm>
+            <a:prstGeom prst="rect">
+              <a:avLst/>
+            </a:prstGeom>
+          </p:spPr>
+          <p:txBody>
+            <a:bodyPr wrap="square">
+              <a:spAutoFit/>
+            </a:bodyPr>
+            <a:lstStyle/>
+            <a:p>
+              <a:r>
+                <a:rPr lang="zh-TW" altLang="en-US" sz="1400" dirty="0"/>
+                <a:t>是</a:t>
+              </a:r>
+            </a:p>
+          </p:txBody>
+        </p:sp>
+        <p:sp>
+          <p:nvSpPr>
+            <p:cNvPr id="71" name="矩形 70">
+              <a:extLst>
+                <a:ext uri="{FF2B5EF4-FFF2-40B4-BE49-F238E27FC236}">
+                  <a16:creationId xmlns:a16="http://schemas.microsoft.com/office/drawing/2014/main" id="{2B3F4210-0D80-4B48-AA99-F31216C084DE}"/>
+                </a:ext>
+              </a:extLst>
+            </p:cNvPr>
+            <p:cNvSpPr/>
+            <p:nvPr/>
+          </p:nvSpPr>
+          <p:spPr>
+            <a:xfrm>
+              <a:off x="2848588" y="1654186"/>
+              <a:ext cx="351833" cy="307777"/>
+            </a:xfrm>
+            <a:prstGeom prst="rect">
+              <a:avLst/>
+            </a:prstGeom>
+          </p:spPr>
+          <p:txBody>
+            <a:bodyPr wrap="square">
+              <a:spAutoFit/>
+            </a:bodyPr>
+            <a:lstStyle/>
+            <a:p>
+              <a:r>
+                <a:rPr lang="zh-TW" altLang="en-US" sz="1400" dirty="0"/>
+                <a:t>否</a:t>
+              </a:r>
+            </a:p>
+          </p:txBody>
+        </p:sp>
+        <p:sp>
+          <p:nvSpPr>
+            <p:cNvPr id="72" name="矩形 71">
+              <a:extLst>
+                <a:ext uri="{FF2B5EF4-FFF2-40B4-BE49-F238E27FC236}">
+                  <a16:creationId xmlns:a16="http://schemas.microsoft.com/office/drawing/2014/main" id="{C7396930-B4DF-4D7A-B804-2A3FA84973E9}"/>
+                </a:ext>
+              </a:extLst>
+            </p:cNvPr>
+            <p:cNvSpPr/>
+            <p:nvPr/>
+          </p:nvSpPr>
+          <p:spPr>
+            <a:xfrm>
+              <a:off x="1815588" y="4851197"/>
+              <a:ext cx="351833" cy="307777"/>
+            </a:xfrm>
+            <a:prstGeom prst="rect">
+              <a:avLst/>
+            </a:prstGeom>
+          </p:spPr>
+          <p:txBody>
+            <a:bodyPr wrap="square">
+              <a:spAutoFit/>
+            </a:bodyPr>
+            <a:lstStyle/>
+            <a:p>
+              <a:r>
+                <a:rPr lang="zh-TW" altLang="en-US" sz="1400" dirty="0"/>
+                <a:t>是</a:t>
+              </a:r>
+            </a:p>
+          </p:txBody>
+        </p:sp>
+        <p:sp>
+          <p:nvSpPr>
+            <p:cNvPr id="73" name="矩形 72">
+              <a:extLst>
+                <a:ext uri="{FF2B5EF4-FFF2-40B4-BE49-F238E27FC236}">
+                  <a16:creationId xmlns:a16="http://schemas.microsoft.com/office/drawing/2014/main" id="{E0091D99-A9AD-4E6E-87E7-7DD19BF72421}"/>
+                </a:ext>
+              </a:extLst>
+            </p:cNvPr>
+            <p:cNvSpPr/>
+            <p:nvPr/>
+          </p:nvSpPr>
+          <p:spPr>
+            <a:xfrm>
+              <a:off x="2888463" y="4460940"/>
+              <a:ext cx="351833" cy="307777"/>
+            </a:xfrm>
+            <a:prstGeom prst="rect">
+              <a:avLst/>
+            </a:prstGeom>
+          </p:spPr>
+          <p:txBody>
+            <a:bodyPr wrap="square">
+              <a:spAutoFit/>
+            </a:bodyPr>
+            <a:lstStyle/>
+            <a:p>
+              <a:r>
+                <a:rPr lang="zh-TW" altLang="en-US" sz="1400" dirty="0"/>
+                <a:t>否</a:t>
+              </a:r>
+            </a:p>
+          </p:txBody>
+        </p:sp>
+        <p:cxnSp>
+          <p:nvCxnSpPr>
+            <p:cNvPr id="51" name="直線接點 50">
+              <a:extLst>
+                <a:ext uri="{FF2B5EF4-FFF2-40B4-BE49-F238E27FC236}">
+                  <a16:creationId xmlns:a16="http://schemas.microsoft.com/office/drawing/2014/main" id="{8C4EBEE5-5FED-4BE2-9419-2753B5C6961A}"/>
+                </a:ext>
+              </a:extLst>
+            </p:cNvPr>
+            <p:cNvCxnSpPr/>
+            <p:nvPr/>
+          </p:nvCxnSpPr>
+          <p:spPr>
+            <a:xfrm>
+              <a:off x="3398570" y="3335252"/>
+              <a:ext cx="0" cy="245584"/>
+            </a:xfrm>
+            <a:prstGeom prst="line">
+              <a:avLst/>
+            </a:prstGeom>
+            <a:ln>
+              <a:solidFill>
+                <a:srgbClr val="FF0000"/>
+              </a:solidFill>
+            </a:ln>
+          </p:spPr>
+          <p:style>
+            <a:lnRef idx="1">
+              <a:schemeClr val="accent1"/>
+            </a:lnRef>
+            <a:fillRef idx="0">
+              <a:schemeClr val="accent1"/>
+            </a:fillRef>
+            <a:effectRef idx="0">
+              <a:schemeClr val="accent1"/>
+            </a:effectRef>
+            <a:fontRef idx="minor">
+              <a:schemeClr val="tx1"/>
+            </a:fontRef>
+          </p:style>
+        </p:cxnSp>
+        <p:sp>
+          <p:nvSpPr>
+            <p:cNvPr id="76" name="矩形 75">
+              <a:extLst>
+                <a:ext uri="{FF2B5EF4-FFF2-40B4-BE49-F238E27FC236}">
+                  <a16:creationId xmlns:a16="http://schemas.microsoft.com/office/drawing/2014/main" id="{D52E569C-9A54-4FA9-8110-E8456BCD70A1}"/>
+                </a:ext>
+              </a:extLst>
+            </p:cNvPr>
+            <p:cNvSpPr/>
+            <p:nvPr/>
+          </p:nvSpPr>
+          <p:spPr>
+            <a:xfrm>
+              <a:off x="5713123" y="2101156"/>
+              <a:ext cx="351833" cy="307777"/>
+            </a:xfrm>
+            <a:prstGeom prst="rect">
+              <a:avLst/>
+            </a:prstGeom>
+          </p:spPr>
+          <p:txBody>
+            <a:bodyPr wrap="square">
+              <a:spAutoFit/>
+            </a:bodyPr>
+            <a:lstStyle/>
+            <a:p>
+              <a:r>
+                <a:rPr lang="zh-TW" altLang="en-US" sz="1400" dirty="0"/>
+                <a:t>否</a:t>
+              </a:r>
+            </a:p>
+          </p:txBody>
+        </p:sp>
+        <p:sp>
+          <p:nvSpPr>
+            <p:cNvPr id="81" name="矩形 80">
+              <a:extLst>
+                <a:ext uri="{FF2B5EF4-FFF2-40B4-BE49-F238E27FC236}">
+                  <a16:creationId xmlns:a16="http://schemas.microsoft.com/office/drawing/2014/main" id="{940B766A-1F87-41CD-B95C-D01BAFF44929}"/>
+                </a:ext>
+              </a:extLst>
+            </p:cNvPr>
+            <p:cNvSpPr/>
+            <p:nvPr/>
+          </p:nvSpPr>
+          <p:spPr>
+            <a:xfrm>
+              <a:off x="4486586" y="2602152"/>
+              <a:ext cx="351833" cy="307777"/>
+            </a:xfrm>
+            <a:prstGeom prst="rect">
+              <a:avLst/>
+            </a:prstGeom>
+          </p:spPr>
+          <p:txBody>
+            <a:bodyPr wrap="square">
+              <a:spAutoFit/>
+            </a:bodyPr>
+            <a:lstStyle/>
+            <a:p>
+              <a:r>
+                <a:rPr lang="zh-TW" altLang="en-US" sz="1400" dirty="0"/>
+                <a:t>是</a:t>
+              </a:r>
+            </a:p>
+          </p:txBody>
+        </p:sp>
+        <p:sp>
+          <p:nvSpPr>
+            <p:cNvPr id="83" name="矩形 82">
+              <a:extLst>
+                <a:ext uri="{FF2B5EF4-FFF2-40B4-BE49-F238E27FC236}">
+                  <a16:creationId xmlns:a16="http://schemas.microsoft.com/office/drawing/2014/main" id="{2460E78C-7A5C-43D8-936C-EDD2F9AEFD78}"/>
+                </a:ext>
+              </a:extLst>
+            </p:cNvPr>
+            <p:cNvSpPr/>
+            <p:nvPr/>
+          </p:nvSpPr>
+          <p:spPr>
+            <a:xfrm>
+              <a:off x="4474931" y="4097315"/>
+              <a:ext cx="351833" cy="307777"/>
+            </a:xfrm>
+            <a:prstGeom prst="rect">
+              <a:avLst/>
+            </a:prstGeom>
+          </p:spPr>
+          <p:txBody>
+            <a:bodyPr wrap="square">
+              <a:spAutoFit/>
+            </a:bodyPr>
+            <a:lstStyle/>
+            <a:p>
+              <a:r>
+                <a:rPr lang="zh-TW" altLang="en-US" sz="1400" dirty="0"/>
+                <a:t>是</a:t>
+              </a:r>
+            </a:p>
+          </p:txBody>
+        </p:sp>
+        <p:sp>
+          <p:nvSpPr>
+            <p:cNvPr id="84" name="矩形 83">
+              <a:extLst>
+                <a:ext uri="{FF2B5EF4-FFF2-40B4-BE49-F238E27FC236}">
+                  <a16:creationId xmlns:a16="http://schemas.microsoft.com/office/drawing/2014/main" id="{DE32E448-81EC-4179-B2F3-028BCAF30325}"/>
+                </a:ext>
+              </a:extLst>
+            </p:cNvPr>
+            <p:cNvSpPr/>
+            <p:nvPr/>
+          </p:nvSpPr>
+          <p:spPr>
+            <a:xfrm>
+              <a:off x="4455936" y="5365768"/>
+              <a:ext cx="351833" cy="307777"/>
+            </a:xfrm>
+            <a:prstGeom prst="rect">
+              <a:avLst/>
+            </a:prstGeom>
+          </p:spPr>
+          <p:txBody>
+            <a:bodyPr wrap="square">
+              <a:spAutoFit/>
+            </a:bodyPr>
+            <a:lstStyle/>
+            <a:p>
+              <a:r>
+                <a:rPr lang="zh-TW" altLang="en-US" sz="1400" dirty="0"/>
+                <a:t>是</a:t>
+              </a:r>
+            </a:p>
+          </p:txBody>
+        </p:sp>
+        <p:sp>
+          <p:nvSpPr>
+            <p:cNvPr id="87" name="矩形 86">
+              <a:extLst>
+                <a:ext uri="{FF2B5EF4-FFF2-40B4-BE49-F238E27FC236}">
+                  <a16:creationId xmlns:a16="http://schemas.microsoft.com/office/drawing/2014/main" id="{396734DF-AAE2-45A5-9285-4FFBA8775A51}"/>
+                </a:ext>
+              </a:extLst>
+            </p:cNvPr>
+            <p:cNvSpPr/>
+            <p:nvPr/>
+          </p:nvSpPr>
+          <p:spPr>
+            <a:xfrm>
+              <a:off x="5920083" y="3288523"/>
+              <a:ext cx="351833" cy="307777"/>
+            </a:xfrm>
+            <a:prstGeom prst="rect">
+              <a:avLst/>
+            </a:prstGeom>
+          </p:spPr>
+          <p:txBody>
+            <a:bodyPr wrap="square">
+              <a:spAutoFit/>
+            </a:bodyPr>
+            <a:lstStyle/>
+            <a:p>
+              <a:r>
+                <a:rPr lang="zh-TW" altLang="en-US" sz="1400" dirty="0"/>
+                <a:t>否</a:t>
+              </a:r>
+            </a:p>
+          </p:txBody>
+        </p:sp>
+        <p:sp>
+          <p:nvSpPr>
+            <p:cNvPr id="89" name="矩形 88">
+              <a:extLst>
+                <a:ext uri="{FF2B5EF4-FFF2-40B4-BE49-F238E27FC236}">
+                  <a16:creationId xmlns:a16="http://schemas.microsoft.com/office/drawing/2014/main" id="{7128C129-F2D5-4C84-BC27-3B5DEC0E2E75}"/>
+                </a:ext>
+              </a:extLst>
+            </p:cNvPr>
+            <p:cNvSpPr/>
+            <p:nvPr/>
+          </p:nvSpPr>
+          <p:spPr>
+            <a:xfrm>
+              <a:off x="6112398" y="5040015"/>
+              <a:ext cx="351833" cy="307777"/>
+            </a:xfrm>
+            <a:prstGeom prst="rect">
+              <a:avLst/>
+            </a:prstGeom>
+          </p:spPr>
+          <p:txBody>
+            <a:bodyPr wrap="square">
+              <a:spAutoFit/>
+            </a:bodyPr>
+            <a:lstStyle/>
+            <a:p>
+              <a:r>
+                <a:rPr lang="zh-TW" altLang="en-US" sz="1400" dirty="0"/>
+                <a:t>否</a:t>
+              </a:r>
+            </a:p>
+          </p:txBody>
+        </p:sp>
+      </p:grpSp>
+    </p:spTree>
+    <p:extLst>
+      <p:ext uri="{BB962C8B-B14F-4D97-AF65-F5344CB8AC3E}">
+        <p14:creationId xmlns:p14="http://schemas.microsoft.com/office/powerpoint/2010/main" val="1115682171"/>
       </p:ext>
     </p:extLst>
   </p:cSld>
@@ -14761,6 +17343,157 @@
 </file>
 
 <file path=ppt/slides/slide5.xml><?xml version="1.0" encoding="utf-8"?>
+<p:sld xmlns:a="http://schemas.openxmlformats.org/drawingml/2006/main" xmlns:r="http://schemas.openxmlformats.org/officeDocument/2006/relationships" xmlns:p="http://schemas.openxmlformats.org/presentationml/2006/main">
+  <p:cSld>
+    <p:spTree>
+      <p:nvGrpSpPr>
+        <p:cNvPr id="1" name=""/>
+        <p:cNvGrpSpPr/>
+        <p:nvPr/>
+      </p:nvGrpSpPr>
+      <p:grpSpPr>
+        <a:xfrm>
+          <a:off x="0" y="0"/>
+          <a:ext cx="0" cy="0"/>
+          <a:chOff x="0" y="0"/>
+          <a:chExt cx="0" cy="0"/>
+        </a:xfrm>
+      </p:grpSpPr>
+      <p:sp>
+        <p:nvSpPr>
+          <p:cNvPr id="2" name="標題 1">
+            <a:extLst>
+              <a:ext uri="{FF2B5EF4-FFF2-40B4-BE49-F238E27FC236}">
+                <a16:creationId xmlns:a16="http://schemas.microsoft.com/office/drawing/2014/main" id="{CEDC4395-CBC8-4C2D-9358-A09E7C5E6F97}"/>
+              </a:ext>
+            </a:extLst>
+          </p:cNvPr>
+          <p:cNvSpPr>
+            <a:spLocks noGrp="1"/>
+          </p:cNvSpPr>
+          <p:nvPr>
+            <p:ph type="title"/>
+          </p:nvPr>
+        </p:nvSpPr>
+        <p:spPr>
+          <a:xfrm>
+            <a:off x="677334" y="609600"/>
+            <a:ext cx="8596668" cy="710153"/>
+          </a:xfrm>
+        </p:spPr>
+        <p:txBody>
+          <a:bodyPr/>
+          <a:lstStyle/>
+          <a:p>
+            <a:r>
+              <a:rPr lang="zh-TW" altLang="en-US" dirty="0"/>
+              <a:t>分工</a:t>
+            </a:r>
+            <a:r>
+              <a:rPr lang="en-US" altLang="zh-TW" dirty="0"/>
+              <a:t>:</a:t>
+            </a:r>
+            <a:endParaRPr lang="zh-TW" altLang="en-US" dirty="0"/>
+          </a:p>
+        </p:txBody>
+      </p:sp>
+      <p:sp>
+        <p:nvSpPr>
+          <p:cNvPr id="3" name="內容版面配置區 2">
+            <a:extLst>
+              <a:ext uri="{FF2B5EF4-FFF2-40B4-BE49-F238E27FC236}">
+                <a16:creationId xmlns:a16="http://schemas.microsoft.com/office/drawing/2014/main" id="{1A5732AE-EB57-48CA-9465-DB4949C41B5A}"/>
+              </a:ext>
+            </a:extLst>
+          </p:cNvPr>
+          <p:cNvSpPr>
+            <a:spLocks noGrp="1"/>
+          </p:cNvSpPr>
+          <p:nvPr>
+            <p:ph idx="1"/>
+          </p:nvPr>
+        </p:nvSpPr>
+        <p:spPr>
+          <a:xfrm>
+            <a:off x="847017" y="1726957"/>
+            <a:ext cx="8596668" cy="2609374"/>
+          </a:xfrm>
+        </p:spPr>
+        <p:txBody>
+          <a:bodyPr/>
+          <a:lstStyle/>
+          <a:p>
+            <a:r>
+              <a:rPr lang="zh-TW" altLang="en-US" dirty="0"/>
+              <a:t>陳家豪</a:t>
+            </a:r>
+            <a:r>
+              <a:rPr lang="en-US" altLang="zh-TW" dirty="0"/>
+              <a:t>:</a:t>
+            </a:r>
+          </a:p>
+          <a:p>
+            <a:pPr lvl="1"/>
+            <a:r>
+              <a:rPr lang="zh-TW" altLang="en-US" dirty="0"/>
+              <a:t>有效物件判斷</a:t>
+            </a:r>
+          </a:p>
+          <a:p>
+            <a:pPr lvl="1"/>
+            <a:r>
+              <a:rPr lang="zh-TW" altLang="en-US" dirty="0"/>
+              <a:t>身份判斷</a:t>
+            </a:r>
+          </a:p>
+          <a:p>
+            <a:r>
+              <a:rPr lang="zh-TW" altLang="en-US" dirty="0"/>
+              <a:t>洪國勛</a:t>
+            </a:r>
+            <a:r>
+              <a:rPr lang="en-US" altLang="zh-TW" dirty="0"/>
+              <a:t>:</a:t>
+            </a:r>
+          </a:p>
+          <a:p>
+            <a:pPr lvl="1"/>
+            <a:r>
+              <a:rPr lang="zh-TW" altLang="en-US" dirty="0"/>
+              <a:t>移動準星</a:t>
+            </a:r>
+          </a:p>
+          <a:p>
+            <a:pPr lvl="1"/>
+            <a:r>
+              <a:rPr lang="zh-TW" altLang="en-US" dirty="0"/>
+              <a:t>骨架偵測</a:t>
+            </a:r>
+          </a:p>
+          <a:p>
+            <a:pPr lvl="1"/>
+            <a:endParaRPr lang="en-US" altLang="zh-TW" dirty="0"/>
+          </a:p>
+          <a:p>
+            <a:pPr lvl="1"/>
+            <a:endParaRPr lang="en-US" altLang="zh-TW" dirty="0"/>
+          </a:p>
+        </p:txBody>
+      </p:sp>
+    </p:spTree>
+    <p:extLst>
+      <p:ext uri="{BB962C8B-B14F-4D97-AF65-F5344CB8AC3E}">
+        <p14:creationId xmlns:p14="http://schemas.microsoft.com/office/powerpoint/2010/main" val="1361263436"/>
+      </p:ext>
+    </p:extLst>
+  </p:cSld>
+  <p:clrMapOvr>
+    <a:masterClrMapping/>
+  </p:clrMapOvr>
+</p:sld>
+</file>
+
+<file path=ppt/slides/slide6.xml><?xml version="1.0" encoding="utf-8"?>
 <p:sld xmlns:a="http://schemas.openxmlformats.org/drawingml/2006/main" xmlns:r="http://schemas.openxmlformats.org/officeDocument/2006/relationships" xmlns:p="http://schemas.openxmlformats.org/presentationml/2006/main">
   <p:cSld>
     <p:spTree>
@@ -16274,7 +19007,7 @@
 </p:sld>
 </file>
 
-<file path=ppt/slides/slide6.xml><?xml version="1.0" encoding="utf-8"?>
+<file path=ppt/slides/slide7.xml><?xml version="1.0" encoding="utf-8"?>
 <p:sld xmlns:a="http://schemas.openxmlformats.org/drawingml/2006/main" xmlns:r="http://schemas.openxmlformats.org/officeDocument/2006/relationships" xmlns:p="http://schemas.openxmlformats.org/presentationml/2006/main">
   <p:cSld>
     <p:spTree>
@@ -18088,7 +20821,7 @@
 </p:sld>
 </file>
 
-<file path=ppt/slides/slide7.xml><?xml version="1.0" encoding="utf-8"?>
+<file path=ppt/slides/slide8.xml><?xml version="1.0" encoding="utf-8"?>
 <p:sld xmlns:a="http://schemas.openxmlformats.org/drawingml/2006/main" xmlns:r="http://schemas.openxmlformats.org/officeDocument/2006/relationships" xmlns:p="http://schemas.openxmlformats.org/presentationml/2006/main">
   <p:cSld>
     <p:spTree>
@@ -18859,7 +21592,7 @@
 </p:sld>
 </file>
 
-<file path=ppt/slides/slide8.xml><?xml version="1.0" encoding="utf-8"?>
+<file path=ppt/slides/slide9.xml><?xml version="1.0" encoding="utf-8"?>
 <p:sld xmlns:a="http://schemas.openxmlformats.org/drawingml/2006/main" xmlns:r="http://schemas.openxmlformats.org/officeDocument/2006/relationships" xmlns:p="http://schemas.openxmlformats.org/presentationml/2006/main">
   <p:cSld>
     <p:spTree>
@@ -19194,387 +21927,6 @@
     <p:extLst>
       <p:ext uri="{BB962C8B-B14F-4D97-AF65-F5344CB8AC3E}">
         <p14:creationId xmlns:p14="http://schemas.microsoft.com/office/powerpoint/2010/main" val="3551642429"/>
-      </p:ext>
-    </p:extLst>
-  </p:cSld>
-  <p:clrMapOvr>
-    <a:masterClrMapping/>
-  </p:clrMapOvr>
-</p:sld>
-</file>
-
-<file path=ppt/slides/slide9.xml><?xml version="1.0" encoding="utf-8"?>
-<p:sld xmlns:a="http://schemas.openxmlformats.org/drawingml/2006/main" xmlns:r="http://schemas.openxmlformats.org/officeDocument/2006/relationships" xmlns:p="http://schemas.openxmlformats.org/presentationml/2006/main">
-  <p:cSld>
-    <p:spTree>
-      <p:nvGrpSpPr>
-        <p:cNvPr id="1" name=""/>
-        <p:cNvGrpSpPr/>
-        <p:nvPr/>
-      </p:nvGrpSpPr>
-      <p:grpSpPr>
-        <a:xfrm>
-          <a:off x="0" y="0"/>
-          <a:ext cx="0" cy="0"/>
-          <a:chOff x="0" y="0"/>
-          <a:chExt cx="0" cy="0"/>
-        </a:xfrm>
-      </p:grpSpPr>
-      <p:sp>
-        <p:nvSpPr>
-          <p:cNvPr id="2" name="標題 1">
-            <a:extLst>
-              <a:ext uri="{FF2B5EF4-FFF2-40B4-BE49-F238E27FC236}">
-                <a16:creationId xmlns:a16="http://schemas.microsoft.com/office/drawing/2014/main" id="{841818B4-0508-4379-A10B-7ADBA46B3708}"/>
-              </a:ext>
-            </a:extLst>
-          </p:cNvPr>
-          <p:cNvSpPr>
-            <a:spLocks noGrp="1"/>
-          </p:cNvSpPr>
-          <p:nvPr>
-            <p:ph type="title"/>
-          </p:nvPr>
-        </p:nvSpPr>
-        <p:spPr>
-          <a:xfrm>
-            <a:off x="667808" y="428625"/>
-            <a:ext cx="5428192" cy="666750"/>
-          </a:xfrm>
-        </p:spPr>
-        <p:txBody>
-          <a:bodyPr>
-            <a:normAutofit/>
-          </a:bodyPr>
-          <a:lstStyle/>
-          <a:p>
-            <a:r>
-              <a:rPr lang="zh-TW" altLang="en-US" dirty="0"/>
-              <a:t>有效物件判斷</a:t>
-            </a:r>
-          </a:p>
-        </p:txBody>
-      </p:sp>
-      <p:sp>
-        <p:nvSpPr>
-          <p:cNvPr id="6" name="內容版面配置區 2">
-            <a:extLst>
-              <a:ext uri="{FF2B5EF4-FFF2-40B4-BE49-F238E27FC236}">
-                <a16:creationId xmlns:a16="http://schemas.microsoft.com/office/drawing/2014/main" id="{563AE563-127A-4D91-B7D9-14D6C985C591}"/>
-              </a:ext>
-            </a:extLst>
-          </p:cNvPr>
-          <p:cNvSpPr>
-            <a:spLocks noGrp="1"/>
-          </p:cNvSpPr>
-          <p:nvPr>
-            <p:ph idx="1"/>
-          </p:nvPr>
-        </p:nvSpPr>
-        <p:spPr>
-          <a:xfrm>
-            <a:off x="667808" y="1127741"/>
-            <a:ext cx="8596668" cy="804259"/>
-          </a:xfrm>
-        </p:spPr>
-        <p:txBody>
-          <a:bodyPr>
-            <a:normAutofit/>
-          </a:bodyPr>
-          <a:lstStyle/>
-          <a:p>
-            <a:r>
-              <a:rPr lang="zh-TW" altLang="en-US" dirty="0"/>
-              <a:t>利用 </a:t>
-            </a:r>
-            <a:r>
-              <a:rPr lang="en-US" altLang="zh-TW" dirty="0"/>
-              <a:t>SVM</a:t>
-            </a:r>
-            <a:r>
-              <a:rPr lang="zh-TW" altLang="en-US" dirty="0"/>
-              <a:t> 作為分類器</a:t>
-            </a:r>
-            <a:endParaRPr lang="en-US" altLang="zh-TW" dirty="0"/>
-          </a:p>
-          <a:p>
-            <a:r>
-              <a:rPr lang="zh-TW" altLang="en-US" dirty="0"/>
-              <a:t>利用圖片的長寬比做為特徵 </a:t>
-            </a:r>
-          </a:p>
-        </p:txBody>
-      </p:sp>
-      <p:pic>
-        <p:nvPicPr>
-          <p:cNvPr id="7" name="圖片 6">
-            <a:extLst>
-              <a:ext uri="{FF2B5EF4-FFF2-40B4-BE49-F238E27FC236}">
-                <a16:creationId xmlns:a16="http://schemas.microsoft.com/office/drawing/2014/main" id="{DCFEB83D-382C-4902-A745-6BC377DFEEA5}"/>
-              </a:ext>
-            </a:extLst>
-          </p:cNvPr>
-          <p:cNvPicPr>
-            <a:picLocks noChangeAspect="1"/>
-          </p:cNvPicPr>
-          <p:nvPr/>
-        </p:nvPicPr>
-        <p:blipFill>
-          <a:blip r:embed="rId2"/>
-          <a:stretch>
-            <a:fillRect/>
-          </a:stretch>
-        </p:blipFill>
-        <p:spPr>
-          <a:xfrm>
-            <a:off x="1080936" y="3183103"/>
-            <a:ext cx="1538060" cy="3311196"/>
-          </a:xfrm>
-          <a:prstGeom prst="rect">
-            <a:avLst/>
-          </a:prstGeom>
-        </p:spPr>
-      </p:pic>
-      <p:sp>
-        <p:nvSpPr>
-          <p:cNvPr id="8" name="矩形 7">
-            <a:extLst>
-              <a:ext uri="{FF2B5EF4-FFF2-40B4-BE49-F238E27FC236}">
-                <a16:creationId xmlns:a16="http://schemas.microsoft.com/office/drawing/2014/main" id="{FA4A251C-4BE0-4C94-B71D-68973A4997A2}"/>
-              </a:ext>
-            </a:extLst>
-          </p:cNvPr>
-          <p:cNvSpPr/>
-          <p:nvPr/>
-        </p:nvSpPr>
-        <p:spPr>
-          <a:xfrm>
-            <a:off x="1948845" y="2231869"/>
-            <a:ext cx="1107996" cy="369332"/>
-          </a:xfrm>
-          <a:prstGeom prst="rect">
-            <a:avLst/>
-          </a:prstGeom>
-        </p:spPr>
-        <p:txBody>
-          <a:bodyPr wrap="none">
-            <a:spAutoFit/>
-          </a:bodyPr>
-          <a:lstStyle/>
-          <a:p>
-            <a:r>
-              <a:rPr lang="zh-TW" altLang="en-US" dirty="0"/>
-              <a:t>有效物件</a:t>
-            </a:r>
-          </a:p>
-        </p:txBody>
-      </p:sp>
-      <p:pic>
-        <p:nvPicPr>
-          <p:cNvPr id="9" name="圖片 8">
-            <a:extLst>
-              <a:ext uri="{FF2B5EF4-FFF2-40B4-BE49-F238E27FC236}">
-                <a16:creationId xmlns:a16="http://schemas.microsoft.com/office/drawing/2014/main" id="{025650D9-8A6E-4DB4-8EBA-51DB8B5E15AB}"/>
-              </a:ext>
-            </a:extLst>
-          </p:cNvPr>
-          <p:cNvPicPr>
-            <a:picLocks noChangeAspect="1"/>
-          </p:cNvPicPr>
-          <p:nvPr/>
-        </p:nvPicPr>
-        <p:blipFill>
-          <a:blip r:embed="rId3"/>
-          <a:stretch>
-            <a:fillRect/>
-          </a:stretch>
-        </p:blipFill>
-        <p:spPr>
-          <a:xfrm>
-            <a:off x="2618996" y="3183103"/>
-            <a:ext cx="1538060" cy="3361461"/>
-          </a:xfrm>
-          <a:prstGeom prst="rect">
-            <a:avLst/>
-          </a:prstGeom>
-        </p:spPr>
-      </p:pic>
-      <p:sp>
-        <p:nvSpPr>
-          <p:cNvPr id="10" name="矩形 9">
-            <a:extLst>
-              <a:ext uri="{FF2B5EF4-FFF2-40B4-BE49-F238E27FC236}">
-                <a16:creationId xmlns:a16="http://schemas.microsoft.com/office/drawing/2014/main" id="{2482EA2F-ED82-4D3A-942A-9A500B762AFC}"/>
-              </a:ext>
-            </a:extLst>
-          </p:cNvPr>
-          <p:cNvSpPr/>
-          <p:nvPr/>
-        </p:nvSpPr>
-        <p:spPr>
-          <a:xfrm>
-            <a:off x="6765443" y="2231869"/>
-            <a:ext cx="1107996" cy="369332"/>
-          </a:xfrm>
-          <a:prstGeom prst="rect">
-            <a:avLst/>
-          </a:prstGeom>
-        </p:spPr>
-        <p:txBody>
-          <a:bodyPr wrap="none">
-            <a:spAutoFit/>
-          </a:bodyPr>
-          <a:lstStyle/>
-          <a:p>
-            <a:r>
-              <a:rPr lang="zh-TW" altLang="en-US" dirty="0"/>
-              <a:t>無效物件</a:t>
-            </a:r>
-          </a:p>
-        </p:txBody>
-      </p:sp>
-      <p:pic>
-        <p:nvPicPr>
-          <p:cNvPr id="11" name="圖片 10">
-            <a:extLst>
-              <a:ext uri="{FF2B5EF4-FFF2-40B4-BE49-F238E27FC236}">
-                <a16:creationId xmlns:a16="http://schemas.microsoft.com/office/drawing/2014/main" id="{7CAC511C-1166-412F-9F66-0E0298E768F1}"/>
-              </a:ext>
-            </a:extLst>
-          </p:cNvPr>
-          <p:cNvPicPr>
-            <a:picLocks noChangeAspect="1"/>
-          </p:cNvPicPr>
-          <p:nvPr/>
-        </p:nvPicPr>
-        <p:blipFill>
-          <a:blip r:embed="rId4"/>
-          <a:stretch>
-            <a:fillRect/>
-          </a:stretch>
-        </p:blipFill>
-        <p:spPr>
-          <a:xfrm>
-            <a:off x="5532986" y="3200938"/>
-            <a:ext cx="3572913" cy="3418445"/>
-          </a:xfrm>
-          <a:prstGeom prst="rect">
-            <a:avLst/>
-          </a:prstGeom>
-        </p:spPr>
-      </p:pic>
-      <p:sp>
-        <p:nvSpPr>
-          <p:cNvPr id="12" name="文字方塊 11">
-            <a:extLst>
-              <a:ext uri="{FF2B5EF4-FFF2-40B4-BE49-F238E27FC236}">
-                <a16:creationId xmlns:a16="http://schemas.microsoft.com/office/drawing/2014/main" id="{74CE9B67-B37D-4DE0-87E9-2ED938FE93A4}"/>
-              </a:ext>
-            </a:extLst>
-          </p:cNvPr>
-          <p:cNvSpPr txBox="1"/>
-          <p:nvPr/>
-        </p:nvSpPr>
-        <p:spPr>
-          <a:xfrm>
-            <a:off x="1679459" y="2831606"/>
-            <a:ext cx="341013" cy="369332"/>
-          </a:xfrm>
-          <a:prstGeom prst="rect">
-            <a:avLst/>
-          </a:prstGeom>
-          <a:noFill/>
-        </p:spPr>
-        <p:txBody>
-          <a:bodyPr wrap="square" rtlCol="0">
-            <a:spAutoFit/>
-          </a:bodyPr>
-          <a:lstStyle/>
-          <a:p>
-            <a:r>
-              <a:rPr lang="en-US" altLang="zh-TW" dirty="0"/>
-              <a:t>1</a:t>
-            </a:r>
-            <a:endParaRPr lang="zh-TW" altLang="en-US" dirty="0"/>
-          </a:p>
-        </p:txBody>
-      </p:sp>
-      <p:sp>
-        <p:nvSpPr>
-          <p:cNvPr id="13" name="文字方塊 12">
-            <a:extLst>
-              <a:ext uri="{FF2B5EF4-FFF2-40B4-BE49-F238E27FC236}">
-                <a16:creationId xmlns:a16="http://schemas.microsoft.com/office/drawing/2014/main" id="{199CACA8-E70C-4ACD-900B-E2E6B994E33F}"/>
-              </a:ext>
-            </a:extLst>
-          </p:cNvPr>
-          <p:cNvSpPr txBox="1"/>
-          <p:nvPr/>
-        </p:nvSpPr>
-        <p:spPr>
-          <a:xfrm>
-            <a:off x="3259439" y="2831606"/>
-            <a:ext cx="341012" cy="369332"/>
-          </a:xfrm>
-          <a:prstGeom prst="rect">
-            <a:avLst/>
-          </a:prstGeom>
-          <a:noFill/>
-        </p:spPr>
-        <p:txBody>
-          <a:bodyPr wrap="square" rtlCol="0">
-            <a:spAutoFit/>
-          </a:bodyPr>
-          <a:lstStyle/>
-          <a:p>
-            <a:r>
-              <a:rPr lang="en-US" altLang="zh-TW" dirty="0"/>
-              <a:t>2</a:t>
-            </a:r>
-            <a:endParaRPr lang="zh-TW" altLang="en-US" dirty="0"/>
-          </a:p>
-        </p:txBody>
-      </p:sp>
-      <p:sp>
-        <p:nvSpPr>
-          <p:cNvPr id="14" name="文字方塊 13">
-            <a:extLst>
-              <a:ext uri="{FF2B5EF4-FFF2-40B4-BE49-F238E27FC236}">
-                <a16:creationId xmlns:a16="http://schemas.microsoft.com/office/drawing/2014/main" id="{10205754-AD13-4883-93F8-203CDD34E1DC}"/>
-              </a:ext>
-            </a:extLst>
-          </p:cNvPr>
-          <p:cNvSpPr txBox="1"/>
-          <p:nvPr/>
-        </p:nvSpPr>
-        <p:spPr>
-          <a:xfrm>
-            <a:off x="7148935" y="2813770"/>
-            <a:ext cx="341013" cy="369332"/>
-          </a:xfrm>
-          <a:prstGeom prst="rect">
-            <a:avLst/>
-          </a:prstGeom>
-          <a:noFill/>
-        </p:spPr>
-        <p:txBody>
-          <a:bodyPr wrap="square" rtlCol="0">
-            <a:spAutoFit/>
-          </a:bodyPr>
-          <a:lstStyle/>
-          <a:p>
-            <a:r>
-              <a:rPr lang="en-US" altLang="zh-TW" dirty="0"/>
-              <a:t>3</a:t>
-            </a:r>
-            <a:endParaRPr lang="zh-TW" altLang="en-US" dirty="0"/>
-          </a:p>
-        </p:txBody>
-      </p:sp>
-    </p:spTree>
-    <p:extLst>
-      <p:ext uri="{BB962C8B-B14F-4D97-AF65-F5344CB8AC3E}">
-        <p14:creationId xmlns:p14="http://schemas.microsoft.com/office/powerpoint/2010/main" val="3227469722"/>
       </p:ext>
     </p:extLst>
   </p:cSld>

--- a/document/finalProject.pptx
+++ b/document/finalProject.pptx
@@ -17949,7 +17949,7 @@
         </p:nvSpPr>
         <p:spPr>
           <a:xfrm>
-            <a:off x="5253980" y="3330518"/>
+            <a:off x="5151485" y="3725795"/>
             <a:ext cx="1070624" cy="246221"/>
           </a:xfrm>
           <a:prstGeom prst="rect">
@@ -18074,7 +18074,7 @@
         </p:nvSpPr>
         <p:spPr>
           <a:xfrm>
-            <a:off x="4573313" y="2603528"/>
+            <a:off x="4470818" y="2998805"/>
             <a:ext cx="1360213" cy="246221"/>
           </a:xfrm>
           <a:prstGeom prst="rect">
@@ -18851,7 +18851,7 @@
         </p:nvSpPr>
         <p:spPr>
           <a:xfrm>
-            <a:off x="4925760" y="2701517"/>
+            <a:off x="4823265" y="3096794"/>
             <a:ext cx="811563" cy="246221"/>
           </a:xfrm>
           <a:prstGeom prst="rect">
@@ -18888,7 +18888,7 @@
         </p:nvCxnSpPr>
         <p:spPr>
           <a:xfrm>
-            <a:off x="4671094" y="3098932"/>
+            <a:off x="4568599" y="3494209"/>
             <a:ext cx="12700" cy="310234"/>
           </a:xfrm>
           <a:prstGeom prst="bentConnector3">
@@ -18929,7 +18929,7 @@
         </p:nvSpPr>
         <p:spPr>
           <a:xfrm>
-            <a:off x="4925760" y="3130938"/>
+            <a:off x="4823265" y="3526215"/>
             <a:ext cx="811563" cy="246221"/>
           </a:xfrm>
           <a:prstGeom prst="rect">
@@ -18966,7 +18966,7 @@
         </p:nvCxnSpPr>
         <p:spPr>
           <a:xfrm rot="16200000" flipH="1">
-            <a:off x="4463043" y="2785681"/>
+            <a:off x="4360548" y="3180958"/>
             <a:ext cx="393858" cy="65399"/>
           </a:xfrm>
           <a:prstGeom prst="bentConnector4">
@@ -18994,6 +18994,49 @@
           </a:fontRef>
         </p:style>
       </p:cxnSp>
+      <p:sp>
+        <p:nvSpPr>
+          <p:cNvPr id="42" name="文字方塊 41">
+            <a:extLst>
+              <a:ext uri="{FF2B5EF4-FFF2-40B4-BE49-F238E27FC236}">
+                <a16:creationId xmlns:a16="http://schemas.microsoft.com/office/drawing/2014/main" id="{F5648F65-32B0-4510-BCDD-123C749E2CC3}"/>
+              </a:ext>
+            </a:extLst>
+          </p:cNvPr>
+          <p:cNvSpPr txBox="1"/>
+          <p:nvPr/>
+        </p:nvSpPr>
+        <p:spPr>
+          <a:xfrm>
+            <a:off x="3635543" y="2758645"/>
+            <a:ext cx="752610" cy="246221"/>
+          </a:xfrm>
+          <a:prstGeom prst="rect">
+            <a:avLst/>
+          </a:prstGeom>
+          <a:noFill/>
+        </p:spPr>
+        <p:txBody>
+          <a:bodyPr wrap="square" rtlCol="0">
+            <a:spAutoFit/>
+          </a:bodyPr>
+          <a:lstStyle/>
+          <a:p>
+            <a:r>
+              <a:rPr lang="zh-TW" altLang="en-US" sz="1000" dirty="0"/>
+              <a:t>輸入</a:t>
+            </a:r>
+            <a:r>
+              <a:rPr lang="en-US" altLang="zh-TW" sz="1000" dirty="0"/>
+              <a:t>:</a:t>
+            </a:r>
+            <a:r>
+              <a:rPr lang="zh-TW" altLang="en-US" sz="1000" dirty="0"/>
+              <a:t>影像</a:t>
+            </a:r>
+          </a:p>
+        </p:txBody>
+      </p:sp>
     </p:spTree>
     <p:extLst>
       <p:ext uri="{BB962C8B-B14F-4D97-AF65-F5344CB8AC3E}">
@@ -20440,7 +20483,7 @@
           </p:nvSpPr>
           <p:spPr>
             <a:xfrm>
-              <a:off x="1836698" y="1406390"/>
+              <a:off x="1758355" y="2386035"/>
               <a:ext cx="351833" cy="307777"/>
             </a:xfrm>
             <a:prstGeom prst="rect">
@@ -20886,7 +20929,7 @@
           <p:nvPr>
             <p:extLst>
               <p:ext uri="{D42A27DB-BD31-4B8C-83A1-F6EECF244321}">
-                <p14:modId xmlns:p14="http://schemas.microsoft.com/office/powerpoint/2010/main" val="478822131"/>
+                <p14:modId xmlns:p14="http://schemas.microsoft.com/office/powerpoint/2010/main" val="1042168665"/>
               </p:ext>
             </p:extLst>
           </p:nvPr>
@@ -21082,7 +21125,15 @@
                             <a:schemeClr val="tx1"/>
                           </a:solidFill>
                         </a:rPr>
-                        <a:t>frame</a:t>
+                        <a:t>Frame</a:t>
+                      </a:r>
+                      <a:r>
+                        <a:rPr lang="zh-TW" altLang="en-US" b="1" dirty="0">
+                          <a:solidFill>
+                            <a:schemeClr val="tx1"/>
+                          </a:solidFill>
+                        </a:rPr>
+                        <a:t> </a:t>
                       </a:r>
                       <a:r>
                         <a:rPr lang="en-US" altLang="zh-TW" sz="1800" b="1" kern="1200" dirty="0">
@@ -21689,7 +21740,7 @@
           <p:nvPr>
             <p:extLst>
               <p:ext uri="{D42A27DB-BD31-4B8C-83A1-F6EECF244321}">
-                <p14:modId xmlns:p14="http://schemas.microsoft.com/office/powerpoint/2010/main" val="1620052313"/>
+                <p14:modId xmlns:p14="http://schemas.microsoft.com/office/powerpoint/2010/main" val="2596214080"/>
               </p:ext>
             </p:extLst>
           </p:nvPr>
@@ -21811,7 +21862,7 @@
                     <a:p>
                       <a:r>
                         <a:rPr lang="zh-TW" altLang="en-US" dirty="0"/>
-                        <a:t>根據屍入的物件移動游標至目標中心</a:t>
+                        <a:t>根據輸入的物件移動游標至目標中心</a:t>
                       </a:r>
                     </a:p>
                   </a:txBody>
